--- a/production-idea/最終発表.pptx
+++ b/production-idea/最終発表.pptx
@@ -7,30 +7,31 @@
     <p:sldMasterId id="2147483696" r:id="rId3"/>
   </p:sldMasterIdLst>
   <p:notesMasterIdLst>
-    <p:notesMasterId r:id="rId25"/>
+    <p:notesMasterId r:id="rId26"/>
   </p:notesMasterIdLst>
   <p:sldIdLst>
     <p:sldId id="256" r:id="rId4"/>
-    <p:sldId id="263" r:id="rId5"/>
-    <p:sldId id="281" r:id="rId6"/>
-    <p:sldId id="273" r:id="rId7"/>
-    <p:sldId id="257" r:id="rId8"/>
-    <p:sldId id="258" r:id="rId9"/>
-    <p:sldId id="277" r:id="rId10"/>
-    <p:sldId id="259" r:id="rId11"/>
-    <p:sldId id="278" r:id="rId12"/>
-    <p:sldId id="288" r:id="rId13"/>
-    <p:sldId id="279" r:id="rId14"/>
-    <p:sldId id="272" r:id="rId15"/>
-    <p:sldId id="267" r:id="rId16"/>
-    <p:sldId id="268" r:id="rId17"/>
-    <p:sldId id="264" r:id="rId18"/>
-    <p:sldId id="285" r:id="rId19"/>
-    <p:sldId id="289" r:id="rId20"/>
-    <p:sldId id="271" r:id="rId21"/>
-    <p:sldId id="284" r:id="rId22"/>
-    <p:sldId id="286" r:id="rId23"/>
-    <p:sldId id="283" r:id="rId24"/>
+    <p:sldId id="290" r:id="rId5"/>
+    <p:sldId id="263" r:id="rId6"/>
+    <p:sldId id="281" r:id="rId7"/>
+    <p:sldId id="273" r:id="rId8"/>
+    <p:sldId id="257" r:id="rId9"/>
+    <p:sldId id="258" r:id="rId10"/>
+    <p:sldId id="277" r:id="rId11"/>
+    <p:sldId id="259" r:id="rId12"/>
+    <p:sldId id="278" r:id="rId13"/>
+    <p:sldId id="288" r:id="rId14"/>
+    <p:sldId id="279" r:id="rId15"/>
+    <p:sldId id="272" r:id="rId16"/>
+    <p:sldId id="267" r:id="rId17"/>
+    <p:sldId id="268" r:id="rId18"/>
+    <p:sldId id="264" r:id="rId19"/>
+    <p:sldId id="285" r:id="rId20"/>
+    <p:sldId id="289" r:id="rId21"/>
+    <p:sldId id="271" r:id="rId22"/>
+    <p:sldId id="284" r:id="rId23"/>
+    <p:sldId id="286" r:id="rId24"/>
+    <p:sldId id="283" r:id="rId25"/>
   </p:sldIdLst>
   <p:sldSz cx="12192000" cy="6858000"/>
   <p:notesSz cx="6858000" cy="9144000"/>
@@ -3948,15 +3949,7 @@
         <a:p>
           <a:r>
             <a:rPr kumimoji="1" lang="ja-JP" altLang="en-US" dirty="0" smtClean="0"/>
-            <a:t>ブラウザの</a:t>
-          </a:r>
-          <a:r>
-            <a:rPr kumimoji="1" lang="en-US" altLang="ja-JP" dirty="0" smtClean="0"/>
-            <a:t>UI</a:t>
-          </a:r>
-          <a:r>
-            <a:rPr kumimoji="1" lang="ja-JP" altLang="en-US" dirty="0" smtClean="0"/>
-            <a:t>が使いにくい</a:t>
+            <a:t>開きたいと思ったときにすぐ開けない</a:t>
           </a:r>
           <a:endParaRPr kumimoji="1" lang="ja-JP" altLang="en-US" dirty="0"/>
         </a:p>
@@ -3984,43 +3977,6 @@
         </a:p>
       </dgm:t>
     </dgm:pt>
-    <dgm:pt modelId="{90B70EDF-4F80-4072-BCB6-F2B198DF93F4}">
-      <dgm:prSet/>
-      <dgm:spPr/>
-      <dgm:t>
-        <a:bodyPr/>
-        <a:lstStyle/>
-        <a:p>
-          <a:r>
-            <a:rPr kumimoji="1" lang="ja-JP" altLang="en-US" dirty="0" smtClean="0"/>
-            <a:t>開きたいと思ったときにすぐ開けない</a:t>
-          </a:r>
-          <a:endParaRPr kumimoji="1" lang="ja-JP" altLang="en-US" dirty="0"/>
-        </a:p>
-      </dgm:t>
-    </dgm:pt>
-    <dgm:pt modelId="{1F83A050-3E8E-4192-9883-17A84EF5920C}" type="parTrans" cxnId="{DEC4B22D-C4C4-4C63-A6B8-FD9590D116B6}">
-      <dgm:prSet/>
-      <dgm:spPr/>
-      <dgm:t>
-        <a:bodyPr/>
-        <a:lstStyle/>
-        <a:p>
-          <a:endParaRPr kumimoji="1" lang="ja-JP" altLang="en-US"/>
-        </a:p>
-      </dgm:t>
-    </dgm:pt>
-    <dgm:pt modelId="{462A6FA7-5B6E-461B-AD52-12EA6ACF7198}" type="sibTrans" cxnId="{DEC4B22D-C4C4-4C63-A6B8-FD9590D116B6}">
-      <dgm:prSet/>
-      <dgm:spPr/>
-      <dgm:t>
-        <a:bodyPr/>
-        <a:lstStyle/>
-        <a:p>
-          <a:endParaRPr kumimoji="1" lang="ja-JP" altLang="en-US"/>
-        </a:p>
-      </dgm:t>
-    </dgm:pt>
     <dgm:pt modelId="{B8CE63D4-E62B-49D3-9BB6-AE9C2BE4B9D0}">
       <dgm:prSet/>
       <dgm:spPr/>
@@ -4030,15 +3986,15 @@
         <a:p>
           <a:r>
             <a:rPr kumimoji="1" lang="ja-JP" altLang="en-US" dirty="0" smtClean="0"/>
-            <a:t>別ブラウザ、別</a:t>
+            <a:t>ブラウザの</a:t>
           </a:r>
           <a:r>
             <a:rPr kumimoji="1" lang="en-US" altLang="ja-JP" dirty="0" smtClean="0"/>
-            <a:t>PC</a:t>
+            <a:t>UI</a:t>
           </a:r>
           <a:r>
             <a:rPr kumimoji="1" lang="ja-JP" altLang="en-US" dirty="0" smtClean="0"/>
-            <a:t>との同期</a:t>
+            <a:t>が使いにくい</a:t>
           </a:r>
           <a:endParaRPr kumimoji="1" lang="ja-JP" altLang="en-US" dirty="0"/>
         </a:p>
@@ -4056,6 +4012,55 @@
       </dgm:t>
     </dgm:pt>
     <dgm:pt modelId="{5744C9B7-B765-421D-A763-2FB2BC33F199}" type="sibTrans" cxnId="{C4B3D551-6F85-4EC3-BBE0-B6BEE41718D7}">
+      <dgm:prSet/>
+      <dgm:spPr/>
+      <dgm:t>
+        <a:bodyPr/>
+        <a:lstStyle/>
+        <a:p>
+          <a:endParaRPr kumimoji="1" lang="ja-JP" altLang="en-US"/>
+        </a:p>
+      </dgm:t>
+    </dgm:pt>
+    <dgm:pt modelId="{8EDBC16E-499A-4ADA-A4EE-AC8EDB2F50FD}">
+      <dgm:prSet/>
+      <dgm:spPr/>
+      <dgm:t>
+        <a:bodyPr/>
+        <a:lstStyle/>
+        <a:p>
+          <a:r>
+            <a:rPr kumimoji="1" lang="ja-JP" altLang="en-US" smtClean="0"/>
+            <a:t>別</a:t>
+          </a:r>
+          <a:r>
+            <a:rPr kumimoji="1" lang="ja-JP" altLang="en-US" dirty="0" smtClean="0"/>
+            <a:t>ブラウザ、別</a:t>
+          </a:r>
+          <a:r>
+            <a:rPr kumimoji="1" lang="en-US" altLang="ja-JP" dirty="0" smtClean="0"/>
+            <a:t>PC</a:t>
+          </a:r>
+          <a:r>
+            <a:rPr kumimoji="1" lang="ja-JP" altLang="en-US" dirty="0" smtClean="0"/>
+            <a:t>との同期</a:t>
+          </a:r>
+          <a:endParaRPr kumimoji="1" lang="ja-JP" altLang="en-US" dirty="0"/>
+        </a:p>
+      </dgm:t>
+    </dgm:pt>
+    <dgm:pt modelId="{97E25797-BE57-40C7-A715-8A4431822F06}" type="parTrans" cxnId="{4967A182-D69F-4454-BF9D-34AFCFA2811A}">
+      <dgm:prSet/>
+      <dgm:spPr/>
+      <dgm:t>
+        <a:bodyPr/>
+        <a:lstStyle/>
+        <a:p>
+          <a:endParaRPr kumimoji="1" lang="ja-JP" altLang="en-US"/>
+        </a:p>
+      </dgm:t>
+    </dgm:pt>
+    <dgm:pt modelId="{B920E130-E653-403A-BD16-6A4EA9A62CA5}" type="sibTrans" cxnId="{4967A182-D69F-4454-BF9D-34AFCFA2811A}">
       <dgm:prSet/>
       <dgm:spPr/>
       <dgm:t>
@@ -4122,8 +4127,8 @@
       <dgm:prSet presAssocID="{F17D3BCE-F046-4C11-9AEB-FAB37281F1A4}" presName="spacer" presStyleCnt="0"/>
       <dgm:spPr/>
     </dgm:pt>
-    <dgm:pt modelId="{5126A40B-0C47-459B-B06B-E225CC90B90B}" type="pres">
-      <dgm:prSet presAssocID="{90B70EDF-4F80-4072-BCB6-F2B198DF93F4}" presName="parentText" presStyleLbl="node1" presStyleIdx="2" presStyleCnt="4">
+    <dgm:pt modelId="{C7C8B005-F1D9-47EC-B535-9BD5DF344A5D}" type="pres">
+      <dgm:prSet presAssocID="{B8CE63D4-E62B-49D3-9BB6-AE9C2BE4B9D0}" presName="parentText" presStyleLbl="node1" presStyleIdx="2" presStyleCnt="4">
         <dgm:presLayoutVars>
           <dgm:chMax val="0"/>
           <dgm:bulletEnabled val="1"/>
@@ -4138,12 +4143,12 @@
         </a:p>
       </dgm:t>
     </dgm:pt>
-    <dgm:pt modelId="{EBCED2FA-3E58-4834-B289-4D3FBAF788D6}" type="pres">
-      <dgm:prSet presAssocID="{462A6FA7-5B6E-461B-AD52-12EA6ACF7198}" presName="spacer" presStyleCnt="0"/>
+    <dgm:pt modelId="{9C10653C-5B30-4EB4-821E-CD7ED29C781D}" type="pres">
+      <dgm:prSet presAssocID="{5744C9B7-B765-421D-A763-2FB2BC33F199}" presName="spacer" presStyleCnt="0"/>
       <dgm:spPr/>
     </dgm:pt>
-    <dgm:pt modelId="{C7C8B005-F1D9-47EC-B535-9BD5DF344A5D}" type="pres">
-      <dgm:prSet presAssocID="{B8CE63D4-E62B-49D3-9BB6-AE9C2BE4B9D0}" presName="parentText" presStyleLbl="node1" presStyleIdx="3" presStyleCnt="4">
+    <dgm:pt modelId="{495ADA64-8877-4F99-8D2F-2DC0C692AE70}" type="pres">
+      <dgm:prSet presAssocID="{8EDBC16E-499A-4ADA-A4EE-AC8EDB2F50FD}" presName="parentText" presStyleLbl="node1" presStyleIdx="3" presStyleCnt="4">
         <dgm:presLayoutVars>
           <dgm:chMax val="0"/>
           <dgm:bulletEnabled val="1"/>
@@ -4160,22 +4165,22 @@
     </dgm:pt>
   </dgm:ptLst>
   <dgm:cxnLst>
-    <dgm:cxn modelId="{C4B3D551-6F85-4EC3-BBE0-B6BEE41718D7}" srcId="{C0FD641A-91D3-4FE3-B6D5-E7851EFC98F3}" destId="{B8CE63D4-E62B-49D3-9BB6-AE9C2BE4B9D0}" srcOrd="3" destOrd="0" parTransId="{3DDCF432-5359-4B58-9222-0B46025C5A61}" sibTransId="{5744C9B7-B765-421D-A763-2FB2BC33F199}"/>
-    <dgm:cxn modelId="{7CAE25CE-AD51-400E-8D6C-8674A8775520}" type="presOf" srcId="{C0FD641A-91D3-4FE3-B6D5-E7851EFC98F3}" destId="{9AC13300-04C4-48C2-B96D-A7908533F003}" srcOrd="0" destOrd="0" presId="urn:microsoft.com/office/officeart/2005/8/layout/vList2"/>
-    <dgm:cxn modelId="{D49DD01F-E727-4A6C-A8DF-DA3B3FD1297C}" srcId="{C0FD641A-91D3-4FE3-B6D5-E7851EFC98F3}" destId="{5CD76736-A593-47EF-A796-7ADC660E6492}" srcOrd="1" destOrd="0" parTransId="{2F53B10E-6BCC-4F42-8F65-8DE6EED358DD}" sibTransId="{F17D3BCE-F046-4C11-9AEB-FAB37281F1A4}"/>
-    <dgm:cxn modelId="{6934C284-F759-4EE9-A3FC-5A5875CE34C5}" srcId="{C0FD641A-91D3-4FE3-B6D5-E7851EFC98F3}" destId="{5427B83A-08C0-4E53-ABFF-1852DD66C4AA}" srcOrd="0" destOrd="0" parTransId="{923FAAE3-53DB-4CA5-B48C-76B9E828AD02}" sibTransId="{D775426E-E13F-4AC9-8BCF-E64E37647482}"/>
-    <dgm:cxn modelId="{8BC3D78F-5C2F-41B8-9139-55DEC2A6ED0D}" type="presOf" srcId="{5CD76736-A593-47EF-A796-7ADC660E6492}" destId="{68C440DA-0457-430A-99B2-7CA80175F913}" srcOrd="0" destOrd="0" presId="urn:microsoft.com/office/officeart/2005/8/layout/vList2"/>
-    <dgm:cxn modelId="{DEC4B22D-C4C4-4C63-A6B8-FD9590D116B6}" srcId="{C0FD641A-91D3-4FE3-B6D5-E7851EFC98F3}" destId="{90B70EDF-4F80-4072-BCB6-F2B198DF93F4}" srcOrd="2" destOrd="0" parTransId="{1F83A050-3E8E-4192-9883-17A84EF5920C}" sibTransId="{462A6FA7-5B6E-461B-AD52-12EA6ACF7198}"/>
+    <dgm:cxn modelId="{3FE5C092-D023-4E84-B211-FB8D14745A59}" type="presOf" srcId="{8EDBC16E-499A-4ADA-A4EE-AC8EDB2F50FD}" destId="{495ADA64-8877-4F99-8D2F-2DC0C692AE70}" srcOrd="0" destOrd="0" presId="urn:microsoft.com/office/officeart/2005/8/layout/vList2"/>
     <dgm:cxn modelId="{E88E0A5E-FCB4-44B3-B974-9243B78619DE}" type="presOf" srcId="{5427B83A-08C0-4E53-ABFF-1852DD66C4AA}" destId="{B8F465FE-9EA8-4DEB-9406-E1941DCF5FEB}" srcOrd="0" destOrd="0" presId="urn:microsoft.com/office/officeart/2005/8/layout/vList2"/>
     <dgm:cxn modelId="{66D07425-23F9-44E9-BFFB-B67CCEC5D95B}" type="presOf" srcId="{B8CE63D4-E62B-49D3-9BB6-AE9C2BE4B9D0}" destId="{C7C8B005-F1D9-47EC-B535-9BD5DF344A5D}" srcOrd="0" destOrd="0" presId="urn:microsoft.com/office/officeart/2005/8/layout/vList2"/>
-    <dgm:cxn modelId="{3FBE2851-FF68-47CC-A581-F089012B1A96}" type="presOf" srcId="{90B70EDF-4F80-4072-BCB6-F2B198DF93F4}" destId="{5126A40B-0C47-459B-B06B-E225CC90B90B}" srcOrd="0" destOrd="0" presId="urn:microsoft.com/office/officeart/2005/8/layout/vList2"/>
+    <dgm:cxn modelId="{C4B3D551-6F85-4EC3-BBE0-B6BEE41718D7}" srcId="{C0FD641A-91D3-4FE3-B6D5-E7851EFC98F3}" destId="{B8CE63D4-E62B-49D3-9BB6-AE9C2BE4B9D0}" srcOrd="2" destOrd="0" parTransId="{3DDCF432-5359-4B58-9222-0B46025C5A61}" sibTransId="{5744C9B7-B765-421D-A763-2FB2BC33F199}"/>
+    <dgm:cxn modelId="{6934C284-F759-4EE9-A3FC-5A5875CE34C5}" srcId="{C0FD641A-91D3-4FE3-B6D5-E7851EFC98F3}" destId="{5427B83A-08C0-4E53-ABFF-1852DD66C4AA}" srcOrd="0" destOrd="0" parTransId="{923FAAE3-53DB-4CA5-B48C-76B9E828AD02}" sibTransId="{D775426E-E13F-4AC9-8BCF-E64E37647482}"/>
+    <dgm:cxn modelId="{4967A182-D69F-4454-BF9D-34AFCFA2811A}" srcId="{C0FD641A-91D3-4FE3-B6D5-E7851EFC98F3}" destId="{8EDBC16E-499A-4ADA-A4EE-AC8EDB2F50FD}" srcOrd="3" destOrd="0" parTransId="{97E25797-BE57-40C7-A715-8A4431822F06}" sibTransId="{B920E130-E653-403A-BD16-6A4EA9A62CA5}"/>
+    <dgm:cxn modelId="{8BC3D78F-5C2F-41B8-9139-55DEC2A6ED0D}" type="presOf" srcId="{5CD76736-A593-47EF-A796-7ADC660E6492}" destId="{68C440DA-0457-430A-99B2-7CA80175F913}" srcOrd="0" destOrd="0" presId="urn:microsoft.com/office/officeart/2005/8/layout/vList2"/>
+    <dgm:cxn modelId="{D49DD01F-E727-4A6C-A8DF-DA3B3FD1297C}" srcId="{C0FD641A-91D3-4FE3-B6D5-E7851EFC98F3}" destId="{5CD76736-A593-47EF-A796-7ADC660E6492}" srcOrd="1" destOrd="0" parTransId="{2F53B10E-6BCC-4F42-8F65-8DE6EED358DD}" sibTransId="{F17D3BCE-F046-4C11-9AEB-FAB37281F1A4}"/>
+    <dgm:cxn modelId="{7CAE25CE-AD51-400E-8D6C-8674A8775520}" type="presOf" srcId="{C0FD641A-91D3-4FE3-B6D5-E7851EFC98F3}" destId="{9AC13300-04C4-48C2-B96D-A7908533F003}" srcOrd="0" destOrd="0" presId="urn:microsoft.com/office/officeart/2005/8/layout/vList2"/>
     <dgm:cxn modelId="{E63D747D-D46E-4613-941D-1D098B534586}" type="presParOf" srcId="{9AC13300-04C4-48C2-B96D-A7908533F003}" destId="{B8F465FE-9EA8-4DEB-9406-E1941DCF5FEB}" srcOrd="0" destOrd="0" presId="urn:microsoft.com/office/officeart/2005/8/layout/vList2"/>
     <dgm:cxn modelId="{5E3B6EE6-351F-408C-A214-1A5573991645}" type="presParOf" srcId="{9AC13300-04C4-48C2-B96D-A7908533F003}" destId="{CD25A39E-ACF6-433E-BC26-02E3B7817ABA}" srcOrd="1" destOrd="0" presId="urn:microsoft.com/office/officeart/2005/8/layout/vList2"/>
     <dgm:cxn modelId="{4D520AB0-A895-4C70-88E6-0CF632021B75}" type="presParOf" srcId="{9AC13300-04C4-48C2-B96D-A7908533F003}" destId="{68C440DA-0457-430A-99B2-7CA80175F913}" srcOrd="2" destOrd="0" presId="urn:microsoft.com/office/officeart/2005/8/layout/vList2"/>
     <dgm:cxn modelId="{B87772F0-35FD-48CF-B995-3B8BB35E01C2}" type="presParOf" srcId="{9AC13300-04C4-48C2-B96D-A7908533F003}" destId="{20C8A489-D2A5-4924-9944-20B5729E41A3}" srcOrd="3" destOrd="0" presId="urn:microsoft.com/office/officeart/2005/8/layout/vList2"/>
-    <dgm:cxn modelId="{3D951FB9-A418-4C9E-AEE9-4A062C73D519}" type="presParOf" srcId="{9AC13300-04C4-48C2-B96D-A7908533F003}" destId="{5126A40B-0C47-459B-B06B-E225CC90B90B}" srcOrd="4" destOrd="0" presId="urn:microsoft.com/office/officeart/2005/8/layout/vList2"/>
-    <dgm:cxn modelId="{006EDCF1-110E-4A34-9831-94C844CD97EC}" type="presParOf" srcId="{9AC13300-04C4-48C2-B96D-A7908533F003}" destId="{EBCED2FA-3E58-4834-B289-4D3FBAF788D6}" srcOrd="5" destOrd="0" presId="urn:microsoft.com/office/officeart/2005/8/layout/vList2"/>
-    <dgm:cxn modelId="{560EA734-0A03-4D4F-B3A0-A819089ECB64}" type="presParOf" srcId="{9AC13300-04C4-48C2-B96D-A7908533F003}" destId="{C7C8B005-F1D9-47EC-B535-9BD5DF344A5D}" srcOrd="6" destOrd="0" presId="urn:microsoft.com/office/officeart/2005/8/layout/vList2"/>
+    <dgm:cxn modelId="{560EA734-0A03-4D4F-B3A0-A819089ECB64}" type="presParOf" srcId="{9AC13300-04C4-48C2-B96D-A7908533F003}" destId="{C7C8B005-F1D9-47EC-B535-9BD5DF344A5D}" srcOrd="4" destOrd="0" presId="urn:microsoft.com/office/officeart/2005/8/layout/vList2"/>
+    <dgm:cxn modelId="{197DD3DB-4DC8-4375-8A0C-F8F16421FADA}" type="presParOf" srcId="{9AC13300-04C4-48C2-B96D-A7908533F003}" destId="{9C10653C-5B30-4EB4-821E-CD7ED29C781D}" srcOrd="5" destOrd="0" presId="urn:microsoft.com/office/officeart/2005/8/layout/vList2"/>
+    <dgm:cxn modelId="{5EE455F8-04FC-4B5A-A17C-D8E7B6A4BEB9}" type="presParOf" srcId="{9AC13300-04C4-48C2-B96D-A7908533F003}" destId="{495ADA64-8877-4F99-8D2F-2DC0C692AE70}" srcOrd="6" destOrd="0" presId="urn:microsoft.com/office/officeart/2005/8/layout/vList2"/>
   </dgm:cxnLst>
   <dgm:bg/>
   <dgm:whole/>
@@ -4191,7 +4196,7 @@
 <dgm:dataModel xmlns:dgm="http://schemas.openxmlformats.org/drawingml/2006/diagram" xmlns:a="http://schemas.openxmlformats.org/drawingml/2006/main">
   <dgm:ptLst>
     <dgm:pt modelId="{2E0C0EF1-A18C-4BCB-9586-E54670530B43}" type="doc">
-      <dgm:prSet loTypeId="urn:microsoft.com/office/officeart/2005/8/layout/vProcess5" loCatId="process" qsTypeId="urn:microsoft.com/office/officeart/2005/8/quickstyle/simple2" qsCatId="simple" csTypeId="urn:microsoft.com/office/officeart/2005/8/colors/accent1_2" csCatId="accent1"/>
+      <dgm:prSet loTypeId="urn:microsoft.com/office/officeart/2005/8/layout/vProcess5" loCatId="process" qsTypeId="urn:microsoft.com/office/officeart/2005/8/quickstyle/simple2" qsCatId="simple" csTypeId="urn:microsoft.com/office/officeart/2005/8/colors/accent1_2" csCatId="accent1" phldr="1"/>
       <dgm:spPr/>
       <dgm:t>
         <a:bodyPr/>
@@ -4265,7 +4270,35 @@
           </a:r>
           <a:r>
             <a:rPr kumimoji="1" lang="ja-JP" dirty="0" smtClean="0"/>
-            <a:t>を実現し、クロスプラットフォームで利用可能でより使いやすいブックマーク！！</a:t>
+            <a:t>を実現し</a:t>
+          </a:r>
+          <a:r>
+            <a:rPr kumimoji="1" lang="ja-JP" dirty="0" smtClean="0"/>
+            <a:t>、</a:t>
+          </a:r>
+          <a:r>
+            <a:rPr kumimoji="1" lang="ja-JP" altLang="en-US" dirty="0" smtClean="0"/>
+            <a:t>どの端末からも</a:t>
+          </a:r>
+          <a:r>
+            <a:rPr kumimoji="1" lang="ja-JP" dirty="0" smtClean="0"/>
+            <a:t>利用</a:t>
+          </a:r>
+          <a:r>
+            <a:rPr kumimoji="1" lang="ja-JP" dirty="0" smtClean="0"/>
+            <a:t>可能で</a:t>
+          </a:r>
+          <a:r>
+            <a:rPr kumimoji="1" lang="ja-JP" dirty="0" smtClean="0">
+              <a:solidFill>
+                <a:srgbClr val="FFC000"/>
+              </a:solidFill>
+            </a:rPr>
+            <a:t>より使いやすい</a:t>
+          </a:r>
+          <a:r>
+            <a:rPr kumimoji="1" lang="ja-JP" dirty="0" smtClean="0"/>
+            <a:t>ブックマーク！！</a:t>
           </a:r>
           <a:endParaRPr lang="ja-JP" dirty="0"/>
         </a:p>
@@ -4404,8 +4437,8 @@
     <dgm:cxn modelId="{EE4603CC-EF3B-4FEB-8CB6-C5CA54B79445}" type="presOf" srcId="{A131E61D-6774-43E2-B82E-6BC216A94CCA}" destId="{195A69B2-58D0-4C61-BD66-E3EA79A93A5B}" srcOrd="0" destOrd="0" presId="urn:microsoft.com/office/officeart/2005/8/layout/vProcess5"/>
     <dgm:cxn modelId="{E92569FF-2FDF-4BCC-89D6-6CB178F1EE2B}" type="presOf" srcId="{0A89B006-5D91-4B7C-8E2C-C8C7B333DBBB}" destId="{00A8D21F-093F-4AAC-9C86-A56DA2415859}" srcOrd="1" destOrd="0" presId="urn:microsoft.com/office/officeart/2005/8/layout/vProcess5"/>
     <dgm:cxn modelId="{53AB5856-E531-491C-B75D-7666BBDF0A18}" type="presOf" srcId="{33B5ACE7-F6F7-432E-8D39-F2D736635E0D}" destId="{BA7C3F48-5D68-465E-B7F8-108E269D10CA}" srcOrd="0" destOrd="0" presId="urn:microsoft.com/office/officeart/2005/8/layout/vProcess5"/>
+    <dgm:cxn modelId="{95540352-75F3-4A24-975D-4EF39F9154CB}" type="presOf" srcId="{A131E61D-6774-43E2-B82E-6BC216A94CCA}" destId="{026E140E-8656-4E5C-B7A1-85367210FDAB}" srcOrd="1" destOrd="0" presId="urn:microsoft.com/office/officeart/2005/8/layout/vProcess5"/>
     <dgm:cxn modelId="{AB664CA6-0763-4BFF-87E5-D48B9C8977B1}" type="presOf" srcId="{0A89B006-5D91-4B7C-8E2C-C8C7B333DBBB}" destId="{894AA7E0-84D6-4D54-B826-FF2DAF0ACA17}" srcOrd="0" destOrd="0" presId="urn:microsoft.com/office/officeart/2005/8/layout/vProcess5"/>
-    <dgm:cxn modelId="{95540352-75F3-4A24-975D-4EF39F9154CB}" type="presOf" srcId="{A131E61D-6774-43E2-B82E-6BC216A94CCA}" destId="{026E140E-8656-4E5C-B7A1-85367210FDAB}" srcOrd="1" destOrd="0" presId="urn:microsoft.com/office/officeart/2005/8/layout/vProcess5"/>
     <dgm:cxn modelId="{BD24882F-964B-4FB9-9461-AA742DE39CA3}" srcId="{2E0C0EF1-A18C-4BCB-9586-E54670530B43}" destId="{A131E61D-6774-43E2-B82E-6BC216A94CCA}" srcOrd="0" destOrd="0" parTransId="{35291913-CBC6-485E-AFA8-546368F74997}" sibTransId="{33B5ACE7-F6F7-432E-8D39-F2D736635E0D}"/>
     <dgm:cxn modelId="{BB93C625-271C-4154-B60F-F3CA45F2D19E}" type="presOf" srcId="{2E0C0EF1-A18C-4BCB-9586-E54670530B43}" destId="{CB5DBCF7-D09A-4D73-95F9-46EA8642C9D3}" srcOrd="0" destOrd="0" presId="urn:microsoft.com/office/officeart/2005/8/layout/vProcess5"/>
     <dgm:cxn modelId="{991A1F5B-179B-42C4-8368-06FE46286D21}" type="presParOf" srcId="{CB5DBCF7-D09A-4D73-95F9-46EA8642C9D3}" destId="{1BDF3096-C966-4D72-B3C0-713B080EA03E}" srcOrd="0" destOrd="0" presId="urn:microsoft.com/office/officeart/2005/8/layout/vProcess5"/>
@@ -4499,7 +4532,19 @@
           </a:r>
           <a:r>
             <a:rPr kumimoji="1" lang="ja-JP" dirty="0" smtClean="0"/>
-            <a:t>グルーピングでき簡単な整理が可能！！</a:t>
+            <a:t>グルーピングでき</a:t>
+          </a:r>
+          <a:r>
+            <a:rPr kumimoji="1" lang="ja-JP" dirty="0" smtClean="0">
+              <a:solidFill>
+                <a:srgbClr val="FFC000"/>
+              </a:solidFill>
+            </a:rPr>
+            <a:t>簡単な整理が可能</a:t>
+          </a:r>
+          <a:r>
+            <a:rPr kumimoji="1" lang="ja-JP" dirty="0" smtClean="0"/>
+            <a:t>！！</a:t>
           </a:r>
           <a:endParaRPr lang="ja-JP" dirty="0"/>
         </a:p>
@@ -4776,7 +4821,7 @@
           <a:r>
             <a:rPr kumimoji="1" lang="ja-JP" altLang="en-US" dirty="0" smtClean="0">
               <a:solidFill>
-                <a:srgbClr val="FFC000"/>
+                <a:srgbClr val="002060"/>
               </a:solidFill>
             </a:rPr>
             <a:t>さらに便利にする</a:t>
@@ -5481,15 +5526,7 @@
           </a:pPr>
           <a:r>
             <a:rPr kumimoji="1" lang="ja-JP" altLang="en-US" sz="2700" kern="1200" dirty="0" smtClean="0"/>
-            <a:t>ブラウザの</a:t>
-          </a:r>
-          <a:r>
-            <a:rPr kumimoji="1" lang="en-US" altLang="ja-JP" sz="2700" kern="1200" dirty="0" smtClean="0"/>
-            <a:t>UI</a:t>
-          </a:r>
-          <a:r>
-            <a:rPr kumimoji="1" lang="ja-JP" altLang="en-US" sz="2700" kern="1200" dirty="0" smtClean="0"/>
-            <a:t>が使いにくい</a:t>
+            <a:t>開きたいと思ったときにすぐ開けない</a:t>
           </a:r>
           <a:endParaRPr kumimoji="1" lang="ja-JP" altLang="en-US" sz="2700" kern="1200" dirty="0"/>
         </a:p>
@@ -5499,7 +5536,7 @@
         <a:ext cx="9080504" cy="612874"/>
       </dsp:txXfrm>
     </dsp:sp>
-    <dsp:sp modelId="{5126A40B-0C47-459B-B06B-E225CC90B90B}">
+    <dsp:sp modelId="{C7C8B005-F1D9-47EC-B535-9BD5DF344A5D}">
       <dsp:nvSpPr>
         <dsp:cNvPr id="0" name=""/>
         <dsp:cNvSpPr/>
@@ -5566,7 +5603,15 @@
           </a:pPr>
           <a:r>
             <a:rPr kumimoji="1" lang="ja-JP" altLang="en-US" sz="2700" kern="1200" dirty="0" smtClean="0"/>
-            <a:t>開きたいと思ったときにすぐ開けない</a:t>
+            <a:t>ブラウザの</a:t>
+          </a:r>
+          <a:r>
+            <a:rPr kumimoji="1" lang="en-US" altLang="ja-JP" sz="2700" kern="1200" dirty="0" smtClean="0"/>
+            <a:t>UI</a:t>
+          </a:r>
+          <a:r>
+            <a:rPr kumimoji="1" lang="ja-JP" altLang="en-US" sz="2700" kern="1200" dirty="0" smtClean="0"/>
+            <a:t>が使いにくい</a:t>
           </a:r>
           <a:endParaRPr kumimoji="1" lang="ja-JP" altLang="en-US" sz="2700" kern="1200" dirty="0"/>
         </a:p>
@@ -5576,7 +5621,7 @@
         <a:ext cx="9080504" cy="612874"/>
       </dsp:txXfrm>
     </dsp:sp>
-    <dsp:sp modelId="{C7C8B005-F1D9-47EC-B535-9BD5DF344A5D}">
+    <dsp:sp modelId="{495ADA64-8877-4F99-8D2F-2DC0C692AE70}">
       <dsp:nvSpPr>
         <dsp:cNvPr id="0" name=""/>
         <dsp:cNvSpPr/>
@@ -5642,8 +5687,12 @@
             </a:spcAft>
           </a:pPr>
           <a:r>
+            <a:rPr kumimoji="1" lang="ja-JP" altLang="en-US" sz="2700" kern="1200" smtClean="0"/>
+            <a:t>別</a:t>
+          </a:r>
+          <a:r>
             <a:rPr kumimoji="1" lang="ja-JP" altLang="en-US" sz="2700" kern="1200" dirty="0" smtClean="0"/>
-            <a:t>別ブラウザ、別</a:t>
+            <a:t>ブラウザ、別</a:t>
           </a:r>
           <a:r>
             <a:rPr kumimoji="1" lang="en-US" altLang="ja-JP" sz="2700" kern="1200" dirty="0" smtClean="0"/>
@@ -5811,12 +5860,12 @@
         </a:fontRef>
       </dsp:style>
       <dsp:txBody>
-        <a:bodyPr spcFirstLastPara="0" vert="horz" wrap="square" lIns="99060" tIns="99060" rIns="99060" bIns="99060" numCol="1" spcCol="1270" anchor="ctr" anchorCtr="0">
+        <a:bodyPr spcFirstLastPara="0" vert="horz" wrap="square" lIns="106680" tIns="106680" rIns="106680" bIns="106680" numCol="1" spcCol="1270" anchor="ctr" anchorCtr="0">
           <a:noAutofit/>
         </a:bodyPr>
         <a:lstStyle/>
         <a:p>
-          <a:pPr lvl="0" algn="l" defTabSz="1155700" rtl="0">
+          <a:pPr lvl="0" algn="l" defTabSz="1244600" rtl="0">
             <a:lnSpc>
               <a:spcPct val="90000"/>
             </a:lnSpc>
@@ -5828,18 +5877,46 @@
             </a:spcAft>
           </a:pPr>
           <a:r>
-            <a:rPr kumimoji="1" lang="ja-JP" sz="2600" kern="1200" dirty="0" smtClean="0"/>
+            <a:rPr kumimoji="1" lang="ja-JP" sz="2800" kern="1200" dirty="0" smtClean="0"/>
             <a:t>エクスプローラライクな</a:t>
           </a:r>
           <a:r>
-            <a:rPr kumimoji="1" lang="en-US" sz="2600" kern="1200" dirty="0" smtClean="0"/>
+            <a:rPr kumimoji="1" lang="en-US" sz="2800" kern="1200" dirty="0" smtClean="0"/>
             <a:t>UI</a:t>
           </a:r>
           <a:r>
-            <a:rPr kumimoji="1" lang="ja-JP" sz="2600" kern="1200" dirty="0" smtClean="0"/>
-            <a:t>を実現し、クロスプラットフォームで利用可能でより使いやすいブックマーク！！</a:t>
+            <a:rPr kumimoji="1" lang="ja-JP" sz="2800" kern="1200" dirty="0" smtClean="0"/>
+            <a:t>を実現し</a:t>
           </a:r>
-          <a:endParaRPr lang="ja-JP" sz="2600" kern="1200" dirty="0"/>
+          <a:r>
+            <a:rPr kumimoji="1" lang="ja-JP" sz="2800" kern="1200" dirty="0" smtClean="0"/>
+            <a:t>、</a:t>
+          </a:r>
+          <a:r>
+            <a:rPr kumimoji="1" lang="ja-JP" altLang="en-US" sz="2800" kern="1200" dirty="0" smtClean="0"/>
+            <a:t>どの端末からも</a:t>
+          </a:r>
+          <a:r>
+            <a:rPr kumimoji="1" lang="ja-JP" sz="2800" kern="1200" dirty="0" smtClean="0"/>
+            <a:t>利用</a:t>
+          </a:r>
+          <a:r>
+            <a:rPr kumimoji="1" lang="ja-JP" sz="2800" kern="1200" dirty="0" smtClean="0"/>
+            <a:t>可能で</a:t>
+          </a:r>
+          <a:r>
+            <a:rPr kumimoji="1" lang="ja-JP" sz="2800" kern="1200" dirty="0" smtClean="0">
+              <a:solidFill>
+                <a:srgbClr val="FFC000"/>
+              </a:solidFill>
+            </a:rPr>
+            <a:t>より使いやすい</a:t>
+          </a:r>
+          <a:r>
+            <a:rPr kumimoji="1" lang="ja-JP" sz="2800" kern="1200" dirty="0" smtClean="0"/>
+            <a:t>ブックマーク！！</a:t>
+          </a:r>
+          <a:endParaRPr lang="ja-JP" sz="2800" kern="1200" dirty="0"/>
         </a:p>
       </dsp:txBody>
       <dsp:txXfrm>
@@ -6097,7 +6174,19 @@
           </a:r>
           <a:r>
             <a:rPr kumimoji="1" lang="ja-JP" sz="3200" kern="1200" dirty="0" smtClean="0"/>
-            <a:t>グルーピングでき簡単な整理が可能！！</a:t>
+            <a:t>グルーピングでき</a:t>
+          </a:r>
+          <a:r>
+            <a:rPr kumimoji="1" lang="ja-JP" sz="3200" kern="1200" dirty="0" smtClean="0">
+              <a:solidFill>
+                <a:srgbClr val="FFC000"/>
+              </a:solidFill>
+            </a:rPr>
+            <a:t>簡単な整理が可能</a:t>
+          </a:r>
+          <a:r>
+            <a:rPr kumimoji="1" lang="ja-JP" sz="3200" kern="1200" dirty="0" smtClean="0"/>
+            <a:t>！！</a:t>
           </a:r>
           <a:endParaRPr lang="ja-JP" sz="3200" kern="1200" dirty="0"/>
         </a:p>
@@ -6419,7 +6508,7 @@
           <a:r>
             <a:rPr kumimoji="1" lang="ja-JP" altLang="en-US" sz="3400" kern="1200" dirty="0" smtClean="0">
               <a:solidFill>
-                <a:srgbClr val="FFC000"/>
+                <a:srgbClr val="002060"/>
               </a:solidFill>
             </a:rPr>
             <a:t>さらに便利にする</a:t>
@@ -6623,10 +6712,10 @@
             </a:spcAft>
           </a:pPr>
           <a:r>
-            <a:rPr kumimoji="1" lang="ja-JP" altLang="en-US" sz="2900" kern="1200" smtClean="0"/>
+            <a:rPr kumimoji="1" lang="ja-JP" sz="2900" kern="1200" smtClean="0"/>
             <a:t>よりブックマークを便利に使う機能の提供</a:t>
           </a:r>
-          <a:endParaRPr lang="ja-JP" altLang="en-US" sz="2900" kern="1200"/>
+          <a:endParaRPr lang="ja-JP" sz="2900" kern="1200"/>
         </a:p>
       </dsp:txBody>
       <dsp:txXfrm>
@@ -6725,10 +6814,10 @@
             </a:spcAft>
           </a:pPr>
           <a:r>
-            <a:rPr kumimoji="1" lang="ja-JP" altLang="en-US" sz="2900" kern="1200" smtClean="0"/>
+            <a:rPr kumimoji="1" lang="ja-JP" sz="2900" kern="1200" smtClean="0"/>
             <a:t>ブックマークデータを元にしたレコメンドサービスの展開</a:t>
           </a:r>
-          <a:endParaRPr lang="ja-JP" altLang="en-US" sz="2900" kern="1200"/>
+          <a:endParaRPr lang="ja-JP" sz="2900" kern="1200"/>
         </a:p>
       </dsp:txBody>
       <dsp:txXfrm>
@@ -6786,10 +6875,10 @@
             <a:buChar char="••"/>
           </a:pPr>
           <a:r>
-            <a:rPr kumimoji="1" lang="ja-JP" altLang="en-US" sz="2300" kern="1200" smtClean="0"/>
+            <a:rPr kumimoji="1" lang="ja-JP" sz="2300" kern="1200" smtClean="0"/>
             <a:t>ユーザープロファイリングとおすすめページのサジェスト</a:t>
           </a:r>
-          <a:endParaRPr lang="ja-JP" altLang="en-US" sz="2300" kern="1200"/>
+          <a:endParaRPr lang="ja-JP" sz="2300" kern="1200"/>
         </a:p>
         <a:p>
           <a:pPr marL="228600" lvl="1" indent="-228600" algn="l" defTabSz="1022350" rtl="0">
@@ -6805,10 +6894,10 @@
             <a:buChar char="••"/>
           </a:pPr>
           <a:r>
-            <a:rPr kumimoji="1" lang="ja-JP" altLang="en-US" sz="2300" kern="1200" smtClean="0"/>
+            <a:rPr kumimoji="1" lang="ja-JP" sz="2300" kern="1200" smtClean="0"/>
             <a:t>効果的な広告配信</a:t>
           </a:r>
-          <a:endParaRPr lang="ja-JP" altLang="en-US" sz="2300" kern="1200"/>
+          <a:endParaRPr lang="ja-JP" sz="2300" kern="1200"/>
         </a:p>
       </dsp:txBody>
       <dsp:txXfrm>
@@ -6907,10 +6996,10 @@
             </a:spcAft>
           </a:pPr>
           <a:r>
-            <a:rPr kumimoji="1" lang="ja-JP" altLang="en-US" sz="2900" kern="1200" smtClean="0"/>
+            <a:rPr kumimoji="1" lang="ja-JP" sz="2900" kern="1200" smtClean="0"/>
             <a:t>ブラウザトップページを狙う</a:t>
           </a:r>
-          <a:endParaRPr lang="ja-JP" altLang="en-US" sz="2900" kern="1200"/>
+          <a:endParaRPr lang="ja-JP" sz="2900" kern="1200"/>
         </a:p>
       </dsp:txBody>
       <dsp:txXfrm>
@@ -15127,7 +15216,7 @@
           <a:p>
             <a:fld id="{458C5D28-84C3-4D4C-95F9-E71796228AA1}" type="datetimeFigureOut">
               <a:rPr kumimoji="1" lang="ja-JP" altLang="en-US" smtClean="0"/>
-              <a:t>2017/1/13</a:t>
+              <a:t>2017/2/10</a:t>
             </a:fld>
             <a:endParaRPr kumimoji="1" lang="ja-JP" altLang="en-US"/>
           </a:p>
@@ -15555,7 +15644,35 @@
           <a:bodyPr/>
           <a:lstStyle/>
           <a:p>
-            <a:endParaRPr kumimoji="1" lang="ja-JP" altLang="en-US" dirty="0"/>
+            <a:r>
+              <a:rPr kumimoji="1" lang="ja-JP" altLang="en-US" dirty="0" smtClean="0"/>
+              <a:t>対象ユーザーにマッチするかどうか</a:t>
+            </a:r>
+            <a:endParaRPr kumimoji="1" lang="en-US" altLang="ja-JP" dirty="0" smtClean="0"/>
+          </a:p>
+          <a:p>
+            <a:r>
+              <a:rPr kumimoji="1" lang="ja-JP" altLang="en-US" dirty="0" smtClean="0"/>
+              <a:t>→　事前質問をした</a:t>
+            </a:r>
+            <a:endParaRPr kumimoji="1" lang="en-US" altLang="ja-JP" dirty="0" smtClean="0"/>
+          </a:p>
+          <a:p>
+            <a:endParaRPr kumimoji="1" lang="en-US" altLang="ja-JP" dirty="0" smtClean="0"/>
+          </a:p>
+          <a:p>
+            <a:r>
+              <a:rPr kumimoji="1" lang="ja-JP" altLang="en-US" dirty="0" smtClean="0"/>
+              <a:t>そしてマッチした場合</a:t>
+            </a:r>
+            <a:endParaRPr kumimoji="1" lang="en-US" altLang="ja-JP" dirty="0" smtClean="0"/>
+          </a:p>
+          <a:p>
+            <a:r>
+              <a:rPr kumimoji="1" lang="ja-JP" altLang="en-US" dirty="0" smtClean="0"/>
+              <a:t>サービスを提案しプロトタイプを見せ意見を求めた</a:t>
+            </a:r>
+            <a:endParaRPr kumimoji="1" lang="en-US" altLang="ja-JP" dirty="0" smtClean="0"/>
           </a:p>
         </p:txBody>
       </p:sp>
@@ -15576,7 +15693,7 @@
           <a:p>
             <a:fld id="{CC0E4D9D-9C68-4300-B20E-3E57F16C8E20}" type="slidenum">
               <a:rPr kumimoji="1" lang="ja-JP" altLang="en-US" smtClean="0"/>
-              <a:t>19</a:t>
+              <a:t>18</a:t>
             </a:fld>
             <a:endParaRPr kumimoji="1" lang="ja-JP" altLang="en-US"/>
           </a:p>
@@ -15585,7 +15702,7 @@
     </p:spTree>
     <p:extLst>
       <p:ext uri="{BB962C8B-B14F-4D97-AF65-F5344CB8AC3E}">
-        <p14:creationId xmlns:p14="http://schemas.microsoft.com/office/powerpoint/2010/main" val="2677358678"/>
+        <p14:creationId xmlns:p14="http://schemas.microsoft.com/office/powerpoint/2010/main" val="2143965949"/>
       </p:ext>
     </p:extLst>
   </p:cSld>
@@ -15639,10 +15756,6 @@
           <a:bodyPr/>
           <a:lstStyle/>
           <a:p>
-            <a:r>
-              <a:rPr kumimoji="1" lang="ja-JP" altLang="en-US" dirty="0" smtClean="0"/>
-              <a:t>サービス利用</a:t>
-            </a:r>
             <a:endParaRPr kumimoji="1" lang="ja-JP" altLang="en-US" dirty="0"/>
           </a:p>
         </p:txBody>
@@ -15673,7 +15786,7 @@
     </p:spTree>
     <p:extLst>
       <p:ext uri="{BB962C8B-B14F-4D97-AF65-F5344CB8AC3E}">
-        <p14:creationId xmlns:p14="http://schemas.microsoft.com/office/powerpoint/2010/main" val="4151084421"/>
+        <p14:creationId xmlns:p14="http://schemas.microsoft.com/office/powerpoint/2010/main" val="2677358678"/>
       </p:ext>
     </p:extLst>
   </p:cSld>
@@ -15727,6 +15840,10 @@
           <a:bodyPr/>
           <a:lstStyle/>
           <a:p>
+            <a:r>
+              <a:rPr kumimoji="1" lang="ja-JP" altLang="en-US" dirty="0" smtClean="0"/>
+              <a:t>サービス利用</a:t>
+            </a:r>
             <a:endParaRPr kumimoji="1" lang="ja-JP" altLang="en-US" dirty="0"/>
           </a:p>
         </p:txBody>
@@ -15749,6 +15866,90 @@
             <a:fld id="{CC0E4D9D-9C68-4300-B20E-3E57F16C8E20}" type="slidenum">
               <a:rPr kumimoji="1" lang="ja-JP" altLang="en-US" smtClean="0"/>
               <a:t>21</a:t>
+            </a:fld>
+            <a:endParaRPr kumimoji="1" lang="ja-JP" altLang="en-US"/>
+          </a:p>
+        </p:txBody>
+      </p:sp>
+    </p:spTree>
+    <p:extLst>
+      <p:ext uri="{BB962C8B-B14F-4D97-AF65-F5344CB8AC3E}">
+        <p14:creationId xmlns:p14="http://schemas.microsoft.com/office/powerpoint/2010/main" val="4151084421"/>
+      </p:ext>
+    </p:extLst>
+  </p:cSld>
+  <p:clrMapOvr>
+    <a:masterClrMapping/>
+  </p:clrMapOvr>
+</p:notes>
+</file>
+
+<file path=ppt/notesSlides/notesSlide13.xml><?xml version="1.0" encoding="utf-8"?>
+<p:notes xmlns:a="http://schemas.openxmlformats.org/drawingml/2006/main" xmlns:r="http://schemas.openxmlformats.org/officeDocument/2006/relationships" xmlns:p="http://schemas.openxmlformats.org/presentationml/2006/main">
+  <p:cSld>
+    <p:spTree>
+      <p:nvGrpSpPr>
+        <p:cNvPr id="1" name=""/>
+        <p:cNvGrpSpPr/>
+        <p:nvPr/>
+      </p:nvGrpSpPr>
+      <p:grpSpPr>
+        <a:xfrm>
+          <a:off x="0" y="0"/>
+          <a:ext cx="0" cy="0"/>
+          <a:chOff x="0" y="0"/>
+          <a:chExt cx="0" cy="0"/>
+        </a:xfrm>
+      </p:grpSpPr>
+      <p:sp>
+        <p:nvSpPr>
+          <p:cNvPr id="2" name="スライド イメージ プレースホルダー 1"/>
+          <p:cNvSpPr>
+            <a:spLocks noGrp="1" noRot="1" noChangeAspect="1"/>
+          </p:cNvSpPr>
+          <p:nvPr>
+            <p:ph type="sldImg"/>
+          </p:nvPr>
+        </p:nvSpPr>
+        <p:spPr/>
+      </p:sp>
+      <p:sp>
+        <p:nvSpPr>
+          <p:cNvPr id="3" name="ノート プレースホルダー 2"/>
+          <p:cNvSpPr>
+            <a:spLocks noGrp="1"/>
+          </p:cNvSpPr>
+          <p:nvPr>
+            <p:ph type="body" idx="1"/>
+          </p:nvPr>
+        </p:nvSpPr>
+        <p:spPr/>
+        <p:txBody>
+          <a:bodyPr/>
+          <a:lstStyle/>
+          <a:p>
+            <a:endParaRPr kumimoji="1" lang="ja-JP" altLang="en-US" dirty="0"/>
+          </a:p>
+        </p:txBody>
+      </p:sp>
+      <p:sp>
+        <p:nvSpPr>
+          <p:cNvPr id="4" name="スライド番号プレースホルダー 3"/>
+          <p:cNvSpPr>
+            <a:spLocks noGrp="1"/>
+          </p:cNvSpPr>
+          <p:nvPr>
+            <p:ph type="sldNum" sz="quarter" idx="10"/>
+          </p:nvPr>
+        </p:nvSpPr>
+        <p:spPr/>
+        <p:txBody>
+          <a:bodyPr/>
+          <a:lstStyle/>
+          <a:p>
+            <a:fld id="{CC0E4D9D-9C68-4300-B20E-3E57F16C8E20}" type="slidenum">
+              <a:rPr kumimoji="1" lang="ja-JP" altLang="en-US" smtClean="0"/>
+              <a:t>22</a:t>
             </a:fld>
             <a:endParaRPr kumimoji="1" lang="ja-JP" altLang="en-US"/>
           </a:p>
@@ -15889,7 +16090,7 @@
     </p:spTree>
     <p:extLst>
       <p:ext uri="{BB962C8B-B14F-4D97-AF65-F5344CB8AC3E}">
-        <p14:creationId xmlns:p14="http://schemas.microsoft.com/office/powerpoint/2010/main" val="3277362295"/>
+        <p14:creationId xmlns:p14="http://schemas.microsoft.com/office/powerpoint/2010/main" val="1652282768"/>
       </p:ext>
     </p:extLst>
   </p:cSld>
@@ -15945,7 +16146,7 @@
           <a:p>
             <a:r>
               <a:rPr kumimoji="1" lang="ja-JP" altLang="en-US" dirty="0" smtClean="0"/>
-              <a:t>そんな人に提供するサービス</a:t>
+              <a:t>ブックマークの整理は大変じゃないか？</a:t>
             </a:r>
             <a:endParaRPr kumimoji="1" lang="en-US" altLang="ja-JP" dirty="0" smtClean="0"/>
           </a:p>
@@ -15955,7 +16156,7 @@
           <a:p>
             <a:r>
               <a:rPr kumimoji="1" lang="ja-JP" altLang="en-US" dirty="0" smtClean="0"/>
-              <a:t>ブックマークを使いやすくするサービスです！</a:t>
+              <a:t>通常　調べてブックマークした　ブックマークを整理する時を想像して？</a:t>
             </a:r>
             <a:endParaRPr kumimoji="1" lang="en-US" altLang="ja-JP" dirty="0" smtClean="0"/>
           </a:p>
@@ -15965,17 +16166,21 @@
           <a:p>
             <a:r>
               <a:rPr kumimoji="1" lang="ja-JP" altLang="en-US" dirty="0" smtClean="0"/>
-              <a:t>１つめ</a:t>
+              <a:t>まずフォルダを作る</a:t>
             </a:r>
             <a:endParaRPr kumimoji="1" lang="en-US" altLang="ja-JP" dirty="0" smtClean="0"/>
           </a:p>
           <a:p>
+            <a:r>
+              <a:rPr kumimoji="1" lang="ja-JP" altLang="en-US" dirty="0" smtClean="0"/>
+              <a:t>そしてそのフォルダに入れるブックマーク選ぶよね？　選択するときページの内容忘れていたらページ開くよね？</a:t>
+            </a:r>
             <a:endParaRPr kumimoji="1" lang="en-US" altLang="ja-JP" dirty="0" smtClean="0"/>
           </a:p>
           <a:p>
             <a:r>
               <a:rPr kumimoji="1" lang="ja-JP" altLang="en-US" dirty="0" smtClean="0"/>
-              <a:t>２つめ</a:t>
+              <a:t>そしてまぁフォルダに入れる</a:t>
             </a:r>
             <a:endParaRPr kumimoji="1" lang="en-US" altLang="ja-JP" dirty="0" smtClean="0"/>
           </a:p>
@@ -15985,11 +16190,8 @@
           <a:p>
             <a:r>
               <a:rPr kumimoji="1" lang="ja-JP" altLang="en-US" dirty="0" smtClean="0"/>
-              <a:t>自動でブックマーク先のページの内容をまとめてブックマークの整理がかんたんにできる！</a:t>
-            </a:r>
-            <a:endParaRPr kumimoji="1" lang="en-US" altLang="ja-JP" dirty="0" smtClean="0"/>
-          </a:p>
-          <a:p>
+              <a:t>大変じゃない？</a:t>
+            </a:r>
             <a:endParaRPr kumimoji="1" lang="ja-JP" altLang="en-US" dirty="0"/>
           </a:p>
         </p:txBody>
@@ -16011,7 +16213,7 @@
           <a:p>
             <a:fld id="{CC0E4D9D-9C68-4300-B20E-3E57F16C8E20}" type="slidenum">
               <a:rPr kumimoji="1" lang="ja-JP" altLang="en-US" smtClean="0"/>
-              <a:t>5</a:t>
+              <a:t>3</a:t>
             </a:fld>
             <a:endParaRPr kumimoji="1" lang="ja-JP" altLang="en-US"/>
           </a:p>
@@ -16020,7 +16222,7 @@
     </p:spTree>
     <p:extLst>
       <p:ext uri="{BB962C8B-B14F-4D97-AF65-F5344CB8AC3E}">
-        <p14:creationId xmlns:p14="http://schemas.microsoft.com/office/powerpoint/2010/main" val="2166805530"/>
+        <p14:creationId xmlns:p14="http://schemas.microsoft.com/office/powerpoint/2010/main" val="3277362295"/>
       </p:ext>
     </p:extLst>
   </p:cSld>
@@ -16076,29 +16278,37 @@
           <a:p>
             <a:r>
               <a:rPr kumimoji="1" lang="ja-JP" altLang="en-US" dirty="0" smtClean="0"/>
-              <a:t>ユーザーとしては</a:t>
+              <a:t>そんな人に提供するサービス</a:t>
             </a:r>
             <a:endParaRPr kumimoji="1" lang="en-US" altLang="ja-JP" dirty="0" smtClean="0"/>
           </a:p>
           <a:p>
+            <a:endParaRPr kumimoji="1" lang="en-US" altLang="ja-JP" dirty="0" smtClean="0"/>
+          </a:p>
+          <a:p>
             <a:r>
               <a:rPr kumimoji="1" lang="ja-JP" altLang="en-US" dirty="0" smtClean="0"/>
-              <a:t>ブックマーク溢れ整理追いつかなくなった人</a:t>
+              <a:t>ブックマークを使いやすくするサービスです！</a:t>
             </a:r>
             <a:endParaRPr kumimoji="1" lang="en-US" altLang="ja-JP" dirty="0" smtClean="0"/>
           </a:p>
           <a:p>
+            <a:endParaRPr kumimoji="1" lang="en-US" altLang="ja-JP" dirty="0" smtClean="0"/>
+          </a:p>
+          <a:p>
             <a:r>
               <a:rPr kumimoji="1" lang="ja-JP" altLang="en-US" dirty="0" smtClean="0"/>
-              <a:t>ブックマーク整理したいんだけど労力の多さ（大変で</a:t>
-            </a:r>
-            <a:r>
-              <a:rPr kumimoji="1" lang="ja-JP" altLang="en-US" dirty="0" err="1" smtClean="0"/>
-              <a:t>やっ</a:t>
-            </a:r>
+              <a:t>１つめ</a:t>
+            </a:r>
+            <a:endParaRPr kumimoji="1" lang="en-US" altLang="ja-JP" dirty="0" smtClean="0"/>
+          </a:p>
+          <a:p>
+            <a:endParaRPr kumimoji="1" lang="en-US" altLang="ja-JP" dirty="0" smtClean="0"/>
+          </a:p>
+          <a:p>
             <a:r>
               <a:rPr kumimoji="1" lang="ja-JP" altLang="en-US" dirty="0" smtClean="0"/>
-              <a:t>てられない）という人</a:t>
+              <a:t>２つめ</a:t>
             </a:r>
             <a:endParaRPr kumimoji="1" lang="en-US" altLang="ja-JP" dirty="0" smtClean="0"/>
           </a:p>
@@ -16108,41 +16318,11 @@
           <a:p>
             <a:r>
               <a:rPr kumimoji="1" lang="ja-JP" altLang="en-US" dirty="0" smtClean="0"/>
-              <a:t>を対象に見ます</a:t>
+              <a:t>自動でブックマーク先のページの内容をまとめてブックマークの整理がかんたんにできる！</a:t>
             </a:r>
             <a:endParaRPr kumimoji="1" lang="en-US" altLang="ja-JP" dirty="0" smtClean="0"/>
           </a:p>
           <a:p>
-            <a:endParaRPr kumimoji="1" lang="en-US" altLang="ja-JP" dirty="0" smtClean="0"/>
-          </a:p>
-          <a:p>
-            <a:r>
-              <a:rPr kumimoji="1" lang="ja-JP" altLang="en-US" dirty="0" smtClean="0"/>
-              <a:t>さらにコアユーザーとして</a:t>
-            </a:r>
-            <a:endParaRPr kumimoji="1" lang="en-US" altLang="ja-JP" dirty="0" smtClean="0"/>
-          </a:p>
-          <a:p>
-            <a:r>
-              <a:rPr kumimoji="1" lang="ja-JP" altLang="en-US" dirty="0" smtClean="0"/>
-              <a:t>よく調べ物をしてページをどんどん</a:t>
-            </a:r>
-            <a:r>
-              <a:rPr kumimoji="1" lang="en-US" altLang="ja-JP" dirty="0" smtClean="0"/>
-              <a:t>BM</a:t>
-            </a:r>
-            <a:r>
-              <a:rPr kumimoji="1" lang="ja-JP" altLang="en-US" dirty="0" smtClean="0"/>
-              <a:t>していく事が多いと予想される</a:t>
-            </a:r>
-            <a:r>
-              <a:rPr kumimoji="1" lang="en-US" altLang="ja-JP" dirty="0" smtClean="0"/>
-              <a:t>IT</a:t>
-            </a:r>
-            <a:r>
-              <a:rPr kumimoji="1" lang="ja-JP" altLang="en-US" dirty="0" smtClean="0"/>
-              <a:t>エンジニアをコアユーザーと考えます</a:t>
-            </a:r>
             <a:endParaRPr kumimoji="1" lang="ja-JP" altLang="en-US" dirty="0"/>
           </a:p>
         </p:txBody>
@@ -16173,7 +16353,7 @@
     </p:spTree>
     <p:extLst>
       <p:ext uri="{BB962C8B-B14F-4D97-AF65-F5344CB8AC3E}">
-        <p14:creationId xmlns:p14="http://schemas.microsoft.com/office/powerpoint/2010/main" val="2833021397"/>
+        <p14:creationId xmlns:p14="http://schemas.microsoft.com/office/powerpoint/2010/main" val="2166805530"/>
       </p:ext>
     </p:extLst>
   </p:cSld>
@@ -16227,6 +16407,75 @@
           <a:bodyPr/>
           <a:lstStyle/>
           <a:p>
+            <a:r>
+              <a:rPr kumimoji="1" lang="ja-JP" altLang="en-US" dirty="0" smtClean="0"/>
+              <a:t>ユーザーとしては</a:t>
+            </a:r>
+            <a:endParaRPr kumimoji="1" lang="en-US" altLang="ja-JP" dirty="0" smtClean="0"/>
+          </a:p>
+          <a:p>
+            <a:r>
+              <a:rPr kumimoji="1" lang="ja-JP" altLang="en-US" dirty="0" smtClean="0"/>
+              <a:t>ブックマーク溢れ整理追いつかなくなった人</a:t>
+            </a:r>
+            <a:endParaRPr kumimoji="1" lang="en-US" altLang="ja-JP" dirty="0" smtClean="0"/>
+          </a:p>
+          <a:p>
+            <a:r>
+              <a:rPr kumimoji="1" lang="ja-JP" altLang="en-US" dirty="0" smtClean="0"/>
+              <a:t>ブックマーク整理したいんだけど労力の多さ（大変で</a:t>
+            </a:r>
+            <a:r>
+              <a:rPr kumimoji="1" lang="ja-JP" altLang="en-US" dirty="0" err="1" smtClean="0"/>
+              <a:t>やっ</a:t>
+            </a:r>
+            <a:r>
+              <a:rPr kumimoji="1" lang="ja-JP" altLang="en-US" dirty="0" smtClean="0"/>
+              <a:t>てられない）という人</a:t>
+            </a:r>
+            <a:endParaRPr kumimoji="1" lang="en-US" altLang="ja-JP" dirty="0" smtClean="0"/>
+          </a:p>
+          <a:p>
+            <a:endParaRPr kumimoji="1" lang="en-US" altLang="ja-JP" dirty="0" smtClean="0"/>
+          </a:p>
+          <a:p>
+            <a:r>
+              <a:rPr kumimoji="1" lang="ja-JP" altLang="en-US" dirty="0" smtClean="0"/>
+              <a:t>を対象に見ます</a:t>
+            </a:r>
+            <a:endParaRPr kumimoji="1" lang="en-US" altLang="ja-JP" dirty="0" smtClean="0"/>
+          </a:p>
+          <a:p>
+            <a:endParaRPr kumimoji="1" lang="en-US" altLang="ja-JP" dirty="0" smtClean="0"/>
+          </a:p>
+          <a:p>
+            <a:r>
+              <a:rPr kumimoji="1" lang="ja-JP" altLang="en-US" dirty="0" smtClean="0"/>
+              <a:t>さらにコアユーザーとして</a:t>
+            </a:r>
+            <a:endParaRPr kumimoji="1" lang="en-US" altLang="ja-JP" dirty="0" smtClean="0"/>
+          </a:p>
+          <a:p>
+            <a:r>
+              <a:rPr kumimoji="1" lang="ja-JP" altLang="en-US" dirty="0" smtClean="0"/>
+              <a:t>よく調べ物をしてページをどんどん</a:t>
+            </a:r>
+            <a:r>
+              <a:rPr kumimoji="1" lang="en-US" altLang="ja-JP" dirty="0" smtClean="0"/>
+              <a:t>BM</a:t>
+            </a:r>
+            <a:r>
+              <a:rPr kumimoji="1" lang="ja-JP" altLang="en-US" dirty="0" smtClean="0"/>
+              <a:t>していく事が多いと予想される</a:t>
+            </a:r>
+            <a:r>
+              <a:rPr kumimoji="1" lang="en-US" altLang="ja-JP" dirty="0" smtClean="0"/>
+              <a:t>IT</a:t>
+            </a:r>
+            <a:r>
+              <a:rPr kumimoji="1" lang="ja-JP" altLang="en-US" dirty="0" smtClean="0"/>
+              <a:t>エンジニアをコアユーザーと考えます</a:t>
+            </a:r>
             <a:endParaRPr kumimoji="1" lang="ja-JP" altLang="en-US" dirty="0"/>
           </a:p>
         </p:txBody>
@@ -16257,7 +16506,7 @@
     </p:spTree>
     <p:extLst>
       <p:ext uri="{BB962C8B-B14F-4D97-AF65-F5344CB8AC3E}">
-        <p14:creationId xmlns:p14="http://schemas.microsoft.com/office/powerpoint/2010/main" val="9537818"/>
+        <p14:creationId xmlns:p14="http://schemas.microsoft.com/office/powerpoint/2010/main" val="2833021397"/>
       </p:ext>
     </p:extLst>
   </p:cSld>
@@ -16311,16 +16560,6 @@
           <a:bodyPr/>
           <a:lstStyle/>
           <a:p>
-            <a:r>
-              <a:rPr kumimoji="1" lang="ja-JP" altLang="en-US" dirty="0" smtClean="0"/>
-              <a:t>実際のサービスのデモをしますぅ</a:t>
-            </a:r>
-            <a:endParaRPr kumimoji="1" lang="en-US" altLang="ja-JP" dirty="0" smtClean="0"/>
-          </a:p>
-          <a:p>
-            <a:endParaRPr kumimoji="1" lang="en-US" altLang="ja-JP" dirty="0" smtClean="0"/>
-          </a:p>
-          <a:p>
             <a:endParaRPr kumimoji="1" lang="ja-JP" altLang="en-US" dirty="0"/>
           </a:p>
         </p:txBody>
@@ -16351,7 +16590,7 @@
     </p:spTree>
     <p:extLst>
       <p:ext uri="{BB962C8B-B14F-4D97-AF65-F5344CB8AC3E}">
-        <p14:creationId xmlns:p14="http://schemas.microsoft.com/office/powerpoint/2010/main" val="2912151816"/>
+        <p14:creationId xmlns:p14="http://schemas.microsoft.com/office/powerpoint/2010/main" val="9537818"/>
       </p:ext>
     </p:extLst>
   </p:cSld>
@@ -16405,6 +16644,16 @@
           <a:bodyPr/>
           <a:lstStyle/>
           <a:p>
+            <a:r>
+              <a:rPr kumimoji="1" lang="ja-JP" altLang="en-US" dirty="0" smtClean="0"/>
+              <a:t>実際のサービスのデモをしますぅ</a:t>
+            </a:r>
+            <a:endParaRPr kumimoji="1" lang="en-US" altLang="ja-JP" dirty="0" smtClean="0"/>
+          </a:p>
+          <a:p>
+            <a:endParaRPr kumimoji="1" lang="en-US" altLang="ja-JP" dirty="0" smtClean="0"/>
+          </a:p>
+          <a:p>
             <a:endParaRPr kumimoji="1" lang="ja-JP" altLang="en-US" dirty="0"/>
           </a:p>
         </p:txBody>
@@ -16435,7 +16684,7 @@
     </p:spTree>
     <p:extLst>
       <p:ext uri="{BB962C8B-B14F-4D97-AF65-F5344CB8AC3E}">
-        <p14:creationId xmlns:p14="http://schemas.microsoft.com/office/powerpoint/2010/main" val="1505903729"/>
+        <p14:creationId xmlns:p14="http://schemas.microsoft.com/office/powerpoint/2010/main" val="2912151816"/>
       </p:ext>
     </p:extLst>
   </p:cSld>
@@ -16510,7 +16759,7 @@
           <a:p>
             <a:fld id="{CC0E4D9D-9C68-4300-B20E-3E57F16C8E20}" type="slidenum">
               <a:rPr kumimoji="1" lang="ja-JP" altLang="en-US" smtClean="0"/>
-              <a:t>11</a:t>
+              <a:t>10</a:t>
             </a:fld>
             <a:endParaRPr kumimoji="1" lang="ja-JP" altLang="en-US"/>
           </a:p>
@@ -16519,7 +16768,7 @@
     </p:spTree>
     <p:extLst>
       <p:ext uri="{BB962C8B-B14F-4D97-AF65-F5344CB8AC3E}">
-        <p14:creationId xmlns:p14="http://schemas.microsoft.com/office/powerpoint/2010/main" val="3150838440"/>
+        <p14:creationId xmlns:p14="http://schemas.microsoft.com/office/powerpoint/2010/main" val="1505903729"/>
       </p:ext>
     </p:extLst>
   </p:cSld>
@@ -16573,35 +16822,7 @@
           <a:bodyPr/>
           <a:lstStyle/>
           <a:p>
-            <a:r>
-              <a:rPr kumimoji="1" lang="ja-JP" altLang="en-US" dirty="0" smtClean="0"/>
-              <a:t>対象ユーザーにマッチするかどうか</a:t>
-            </a:r>
-            <a:endParaRPr kumimoji="1" lang="en-US" altLang="ja-JP" dirty="0" smtClean="0"/>
-          </a:p>
-          <a:p>
-            <a:r>
-              <a:rPr kumimoji="1" lang="ja-JP" altLang="en-US" dirty="0" smtClean="0"/>
-              <a:t>→　事前質問をした</a:t>
-            </a:r>
-            <a:endParaRPr kumimoji="1" lang="en-US" altLang="ja-JP" dirty="0" smtClean="0"/>
-          </a:p>
-          <a:p>
-            <a:endParaRPr kumimoji="1" lang="en-US" altLang="ja-JP" dirty="0" smtClean="0"/>
-          </a:p>
-          <a:p>
-            <a:r>
-              <a:rPr kumimoji="1" lang="ja-JP" altLang="en-US" dirty="0" smtClean="0"/>
-              <a:t>そしてマッチした場合</a:t>
-            </a:r>
-            <a:endParaRPr kumimoji="1" lang="en-US" altLang="ja-JP" dirty="0" smtClean="0"/>
-          </a:p>
-          <a:p>
-            <a:r>
-              <a:rPr kumimoji="1" lang="ja-JP" altLang="en-US" dirty="0" smtClean="0"/>
-              <a:t>サービスを提案しプロトタイプを見せ意見を求めた</a:t>
-            </a:r>
-            <a:endParaRPr kumimoji="1" lang="en-US" altLang="ja-JP" dirty="0" smtClean="0"/>
+            <a:endParaRPr kumimoji="1" lang="ja-JP" altLang="en-US" dirty="0"/>
           </a:p>
         </p:txBody>
       </p:sp>
@@ -16622,7 +16843,7 @@
           <a:p>
             <a:fld id="{CC0E4D9D-9C68-4300-B20E-3E57F16C8E20}" type="slidenum">
               <a:rPr kumimoji="1" lang="ja-JP" altLang="en-US" smtClean="0"/>
-              <a:t>17</a:t>
+              <a:t>12</a:t>
             </a:fld>
             <a:endParaRPr kumimoji="1" lang="ja-JP" altLang="en-US"/>
           </a:p>
@@ -16631,7 +16852,7 @@
     </p:spTree>
     <p:extLst>
       <p:ext uri="{BB962C8B-B14F-4D97-AF65-F5344CB8AC3E}">
-        <p14:creationId xmlns:p14="http://schemas.microsoft.com/office/powerpoint/2010/main" val="2143965949"/>
+        <p14:creationId xmlns:p14="http://schemas.microsoft.com/office/powerpoint/2010/main" val="3150838440"/>
       </p:ext>
     </p:extLst>
   </p:cSld>
@@ -16837,7 +17058,7 @@
           <a:p>
             <a:fld id="{5235D94B-57E6-4420-B65C-537974CF2FBE}" type="datetimeFigureOut">
               <a:rPr kumimoji="1" lang="ja-JP" altLang="en-US" smtClean="0"/>
-              <a:t>2017/1/13</a:t>
+              <a:t>2017/2/10</a:t>
             </a:fld>
             <a:endParaRPr kumimoji="1" lang="ja-JP" altLang="en-US"/>
           </a:p>
@@ -17090,7 +17311,7 @@
           <a:p>
             <a:fld id="{5235D94B-57E6-4420-B65C-537974CF2FBE}" type="datetimeFigureOut">
               <a:rPr kumimoji="1" lang="ja-JP" altLang="en-US" smtClean="0"/>
-              <a:t>2017/1/13</a:t>
+              <a:t>2017/2/10</a:t>
             </a:fld>
             <a:endParaRPr kumimoji="1" lang="ja-JP" altLang="en-US"/>
           </a:p>
@@ -17302,7 +17523,7 @@
           <a:p>
             <a:fld id="{5235D94B-57E6-4420-B65C-537974CF2FBE}" type="datetimeFigureOut">
               <a:rPr kumimoji="1" lang="ja-JP" altLang="en-US" smtClean="0"/>
-              <a:t>2017/1/13</a:t>
+              <a:t>2017/2/10</a:t>
             </a:fld>
             <a:endParaRPr kumimoji="1" lang="ja-JP" altLang="en-US"/>
           </a:p>
@@ -17566,7 +17787,7 @@
           <a:p>
             <a:fld id="{5235D94B-57E6-4420-B65C-537974CF2FBE}" type="datetimeFigureOut">
               <a:rPr kumimoji="1" lang="ja-JP" altLang="en-US" smtClean="0"/>
-              <a:t>2017/1/13</a:t>
+              <a:t>2017/2/10</a:t>
             </a:fld>
             <a:endParaRPr kumimoji="1" lang="ja-JP" altLang="en-US"/>
           </a:p>
@@ -17819,7 +18040,7 @@
           <a:p>
             <a:fld id="{5235D94B-57E6-4420-B65C-537974CF2FBE}" type="datetimeFigureOut">
               <a:rPr kumimoji="1" lang="ja-JP" altLang="en-US" smtClean="0"/>
-              <a:t>2017/1/13</a:t>
+              <a:t>2017/2/10</a:t>
             </a:fld>
             <a:endParaRPr kumimoji="1" lang="ja-JP" altLang="en-US"/>
           </a:p>
@@ -18077,7 +18298,7 @@
           <a:p>
             <a:fld id="{5235D94B-57E6-4420-B65C-537974CF2FBE}" type="datetimeFigureOut">
               <a:rPr kumimoji="1" lang="ja-JP" altLang="en-US" smtClean="0"/>
-              <a:t>2017/1/13</a:t>
+              <a:t>2017/2/10</a:t>
             </a:fld>
             <a:endParaRPr kumimoji="1" lang="ja-JP" altLang="en-US"/>
           </a:p>
@@ -18471,7 +18692,7 @@
           <a:p>
             <a:fld id="{5235D94B-57E6-4420-B65C-537974CF2FBE}" type="datetimeFigureOut">
               <a:rPr kumimoji="1" lang="ja-JP" altLang="en-US" smtClean="0"/>
-              <a:t>2017/1/13</a:t>
+              <a:t>2017/2/10</a:t>
             </a:fld>
             <a:endParaRPr kumimoji="1" lang="ja-JP" altLang="en-US"/>
           </a:p>
@@ -18959,7 +19180,7 @@
           <a:p>
             <a:fld id="{5235D94B-57E6-4420-B65C-537974CF2FBE}" type="datetimeFigureOut">
               <a:rPr kumimoji="1" lang="ja-JP" altLang="en-US" smtClean="0"/>
-              <a:t>2017/1/13</a:t>
+              <a:t>2017/2/10</a:t>
             </a:fld>
             <a:endParaRPr kumimoji="1" lang="ja-JP" altLang="en-US"/>
           </a:p>
@@ -19077,7 +19298,7 @@
           <a:p>
             <a:fld id="{5235D94B-57E6-4420-B65C-537974CF2FBE}" type="datetimeFigureOut">
               <a:rPr kumimoji="1" lang="ja-JP" altLang="en-US" smtClean="0"/>
-              <a:t>2017/1/13</a:t>
+              <a:t>2017/2/10</a:t>
             </a:fld>
             <a:endParaRPr kumimoji="1" lang="ja-JP" altLang="en-US"/>
           </a:p>
@@ -19179,7 +19400,7 @@
           <a:p>
             <a:fld id="{5235D94B-57E6-4420-B65C-537974CF2FBE}" type="datetimeFigureOut">
               <a:rPr kumimoji="1" lang="ja-JP" altLang="en-US" smtClean="0"/>
-              <a:t>2017/1/13</a:t>
+              <a:t>2017/2/10</a:t>
             </a:fld>
             <a:endParaRPr kumimoji="1" lang="ja-JP" altLang="en-US"/>
           </a:p>
@@ -19501,7 +19722,7 @@
           <a:p>
             <a:fld id="{5235D94B-57E6-4420-B65C-537974CF2FBE}" type="datetimeFigureOut">
               <a:rPr kumimoji="1" lang="ja-JP" altLang="en-US" smtClean="0"/>
-              <a:t>2017/1/13</a:t>
+              <a:t>2017/2/10</a:t>
             </a:fld>
             <a:endParaRPr kumimoji="1" lang="ja-JP" altLang="en-US"/>
           </a:p>
@@ -19703,7 +19924,7 @@
           <a:p>
             <a:fld id="{5235D94B-57E6-4420-B65C-537974CF2FBE}" type="datetimeFigureOut">
               <a:rPr kumimoji="1" lang="ja-JP" altLang="en-US" smtClean="0"/>
-              <a:t>2017/1/13</a:t>
+              <a:t>2017/2/10</a:t>
             </a:fld>
             <a:endParaRPr kumimoji="1" lang="ja-JP" altLang="en-US"/>
           </a:p>
@@ -19982,7 +20203,7 @@
           <a:p>
             <a:fld id="{5235D94B-57E6-4420-B65C-537974CF2FBE}" type="datetimeFigureOut">
               <a:rPr kumimoji="1" lang="ja-JP" altLang="en-US" smtClean="0"/>
-              <a:t>2017/1/13</a:t>
+              <a:t>2017/2/10</a:t>
             </a:fld>
             <a:endParaRPr kumimoji="1" lang="ja-JP" altLang="en-US"/>
           </a:p>
@@ -20184,7 +20405,7 @@
           <a:p>
             <a:fld id="{5235D94B-57E6-4420-B65C-537974CF2FBE}" type="datetimeFigureOut">
               <a:rPr kumimoji="1" lang="ja-JP" altLang="en-US" smtClean="0"/>
-              <a:t>2017/1/13</a:t>
+              <a:t>2017/2/10</a:t>
             </a:fld>
             <a:endParaRPr kumimoji="1" lang="ja-JP" altLang="en-US"/>
           </a:p>
@@ -20396,7 +20617,7 @@
           <a:p>
             <a:fld id="{5235D94B-57E6-4420-B65C-537974CF2FBE}" type="datetimeFigureOut">
               <a:rPr kumimoji="1" lang="ja-JP" altLang="en-US" smtClean="0"/>
-              <a:t>2017/1/13</a:t>
+              <a:t>2017/2/10</a:t>
             </a:fld>
             <a:endParaRPr kumimoji="1" lang="ja-JP" altLang="en-US"/>
           </a:p>
@@ -20660,7 +20881,7 @@
           <a:p>
             <a:fld id="{5235D94B-57E6-4420-B65C-537974CF2FBE}" type="datetimeFigureOut">
               <a:rPr kumimoji="1" lang="ja-JP" altLang="en-US" smtClean="0"/>
-              <a:t>2017/1/13</a:t>
+              <a:t>2017/2/10</a:t>
             </a:fld>
             <a:endParaRPr kumimoji="1" lang="ja-JP" altLang="en-US"/>
           </a:p>
@@ -20913,7 +21134,7 @@
           <a:p>
             <a:fld id="{5235D94B-57E6-4420-B65C-537974CF2FBE}" type="datetimeFigureOut">
               <a:rPr kumimoji="1" lang="ja-JP" altLang="en-US" smtClean="0"/>
-              <a:t>2017/1/13</a:t>
+              <a:t>2017/2/10</a:t>
             </a:fld>
             <a:endParaRPr kumimoji="1" lang="ja-JP" altLang="en-US"/>
           </a:p>
@@ -21171,7 +21392,7 @@
           <a:p>
             <a:fld id="{5235D94B-57E6-4420-B65C-537974CF2FBE}" type="datetimeFigureOut">
               <a:rPr kumimoji="1" lang="ja-JP" altLang="en-US" smtClean="0"/>
-              <a:t>2017/1/13</a:t>
+              <a:t>2017/2/10</a:t>
             </a:fld>
             <a:endParaRPr kumimoji="1" lang="ja-JP" altLang="en-US"/>
           </a:p>
@@ -21565,7 +21786,7 @@
           <a:p>
             <a:fld id="{5235D94B-57E6-4420-B65C-537974CF2FBE}" type="datetimeFigureOut">
               <a:rPr kumimoji="1" lang="ja-JP" altLang="en-US" smtClean="0"/>
-              <a:t>2017/1/13</a:t>
+              <a:t>2017/2/10</a:t>
             </a:fld>
             <a:endParaRPr kumimoji="1" lang="ja-JP" altLang="en-US"/>
           </a:p>
@@ -22053,7 +22274,7 @@
           <a:p>
             <a:fld id="{5235D94B-57E6-4420-B65C-537974CF2FBE}" type="datetimeFigureOut">
               <a:rPr kumimoji="1" lang="ja-JP" altLang="en-US" smtClean="0"/>
-              <a:t>2017/1/13</a:t>
+              <a:t>2017/2/10</a:t>
             </a:fld>
             <a:endParaRPr kumimoji="1" lang="ja-JP" altLang="en-US"/>
           </a:p>
@@ -22171,7 +22392,7 @@
           <a:p>
             <a:fld id="{5235D94B-57E6-4420-B65C-537974CF2FBE}" type="datetimeFigureOut">
               <a:rPr kumimoji="1" lang="ja-JP" altLang="en-US" smtClean="0"/>
-              <a:t>2017/1/13</a:t>
+              <a:t>2017/2/10</a:t>
             </a:fld>
             <a:endParaRPr kumimoji="1" lang="ja-JP" altLang="en-US"/>
           </a:p>
@@ -22266,7 +22487,7 @@
           <a:p>
             <a:fld id="{5235D94B-57E6-4420-B65C-537974CF2FBE}" type="datetimeFigureOut">
               <a:rPr kumimoji="1" lang="ja-JP" altLang="en-US" smtClean="0"/>
-              <a:t>2017/1/13</a:t>
+              <a:t>2017/2/10</a:t>
             </a:fld>
             <a:endParaRPr kumimoji="1" lang="ja-JP" altLang="en-US"/>
           </a:p>
@@ -22517,7 +22738,7 @@
           <a:p>
             <a:fld id="{5235D94B-57E6-4420-B65C-537974CF2FBE}" type="datetimeFigureOut">
               <a:rPr kumimoji="1" lang="ja-JP" altLang="en-US" smtClean="0"/>
-              <a:t>2017/1/13</a:t>
+              <a:t>2017/2/10</a:t>
             </a:fld>
             <a:endParaRPr kumimoji="1" lang="ja-JP" altLang="en-US"/>
           </a:p>
@@ -22881,7 +23102,7 @@
           <a:p>
             <a:fld id="{5235D94B-57E6-4420-B65C-537974CF2FBE}" type="datetimeFigureOut">
               <a:rPr kumimoji="1" lang="ja-JP" altLang="en-US" smtClean="0"/>
-              <a:t>2017/1/13</a:t>
+              <a:t>2017/2/10</a:t>
             </a:fld>
             <a:endParaRPr kumimoji="1" lang="ja-JP" altLang="en-US"/>
           </a:p>
@@ -23153,7 +23374,7 @@
           <a:p>
             <a:fld id="{5235D94B-57E6-4420-B65C-537974CF2FBE}" type="datetimeFigureOut">
               <a:rPr kumimoji="1" lang="ja-JP" altLang="en-US" smtClean="0"/>
-              <a:t>2017/1/13</a:t>
+              <a:t>2017/2/10</a:t>
             </a:fld>
             <a:endParaRPr kumimoji="1" lang="ja-JP" altLang="en-US"/>
           </a:p>
@@ -23355,7 +23576,7 @@
           <a:p>
             <a:fld id="{5235D94B-57E6-4420-B65C-537974CF2FBE}" type="datetimeFigureOut">
               <a:rPr kumimoji="1" lang="ja-JP" altLang="en-US" smtClean="0"/>
-              <a:t>2017/1/13</a:t>
+              <a:t>2017/2/10</a:t>
             </a:fld>
             <a:endParaRPr kumimoji="1" lang="ja-JP" altLang="en-US"/>
           </a:p>
@@ -23567,7 +23788,7 @@
           <a:p>
             <a:fld id="{5235D94B-57E6-4420-B65C-537974CF2FBE}" type="datetimeFigureOut">
               <a:rPr kumimoji="1" lang="ja-JP" altLang="en-US" smtClean="0"/>
-              <a:t>2017/1/13</a:t>
+              <a:t>2017/2/10</a:t>
             </a:fld>
             <a:endParaRPr kumimoji="1" lang="ja-JP" altLang="en-US"/>
           </a:p>
@@ -23926,7 +24147,7 @@
           <a:p>
             <a:fld id="{5235D94B-57E6-4420-B65C-537974CF2FBE}" type="datetimeFigureOut">
               <a:rPr kumimoji="1" lang="ja-JP" altLang="en-US" smtClean="0"/>
-              <a:t>2017/1/13</a:t>
+              <a:t>2017/2/10</a:t>
             </a:fld>
             <a:endParaRPr kumimoji="1" lang="ja-JP" altLang="en-US"/>
           </a:p>
@@ -24414,7 +24635,7 @@
           <a:p>
             <a:fld id="{5235D94B-57E6-4420-B65C-537974CF2FBE}" type="datetimeFigureOut">
               <a:rPr kumimoji="1" lang="ja-JP" altLang="en-US" smtClean="0"/>
-              <a:t>2017/1/13</a:t>
+              <a:t>2017/2/10</a:t>
             </a:fld>
             <a:endParaRPr kumimoji="1" lang="ja-JP" altLang="en-US"/>
           </a:p>
@@ -24532,7 +24753,7 @@
           <a:p>
             <a:fld id="{5235D94B-57E6-4420-B65C-537974CF2FBE}" type="datetimeFigureOut">
               <a:rPr kumimoji="1" lang="ja-JP" altLang="en-US" smtClean="0"/>
-              <a:t>2017/1/13</a:t>
+              <a:t>2017/2/10</a:t>
             </a:fld>
             <a:endParaRPr kumimoji="1" lang="ja-JP" altLang="en-US"/>
           </a:p>
@@ -24627,7 +24848,7 @@
           <a:p>
             <a:fld id="{5235D94B-57E6-4420-B65C-537974CF2FBE}" type="datetimeFigureOut">
               <a:rPr kumimoji="1" lang="ja-JP" altLang="en-US" smtClean="0"/>
-              <a:t>2017/1/13</a:t>
+              <a:t>2017/2/10</a:t>
             </a:fld>
             <a:endParaRPr kumimoji="1" lang="ja-JP" altLang="en-US"/>
           </a:p>
@@ -24949,7 +25170,7 @@
           <a:p>
             <a:fld id="{5235D94B-57E6-4420-B65C-537974CF2FBE}" type="datetimeFigureOut">
               <a:rPr kumimoji="1" lang="ja-JP" altLang="en-US" smtClean="0"/>
-              <a:t>2017/1/13</a:t>
+              <a:t>2017/2/10</a:t>
             </a:fld>
             <a:endParaRPr kumimoji="1" lang="ja-JP" altLang="en-US"/>
           </a:p>
@@ -25221,7 +25442,7 @@
           <a:p>
             <a:fld id="{5235D94B-57E6-4420-B65C-537974CF2FBE}" type="datetimeFigureOut">
               <a:rPr kumimoji="1" lang="ja-JP" altLang="en-US" smtClean="0"/>
-              <a:t>2017/1/13</a:t>
+              <a:t>2017/2/10</a:t>
             </a:fld>
             <a:endParaRPr kumimoji="1" lang="ja-JP" altLang="en-US"/>
           </a:p>
@@ -25507,7 +25728,7 @@
           <a:p>
             <a:fld id="{5235D94B-57E6-4420-B65C-537974CF2FBE}" type="datetimeFigureOut">
               <a:rPr kumimoji="1" lang="ja-JP" altLang="en-US" smtClean="0"/>
-              <a:t>2017/1/13</a:t>
+              <a:t>2017/2/10</a:t>
             </a:fld>
             <a:endParaRPr kumimoji="1" lang="ja-JP" altLang="en-US"/>
           </a:p>
@@ -26176,7 +26397,7 @@
           <a:p>
             <a:fld id="{5235D94B-57E6-4420-B65C-537974CF2FBE}" type="datetimeFigureOut">
               <a:rPr kumimoji="1" lang="ja-JP" altLang="en-US" smtClean="0"/>
-              <a:t>2017/1/13</a:t>
+              <a:t>2017/2/10</a:t>
             </a:fld>
             <a:endParaRPr kumimoji="1" lang="ja-JP" altLang="en-US"/>
           </a:p>
@@ -26852,7 +27073,7 @@
           <a:p>
             <a:fld id="{5235D94B-57E6-4420-B65C-537974CF2FBE}" type="datetimeFigureOut">
               <a:rPr kumimoji="1" lang="ja-JP" altLang="en-US" smtClean="0"/>
-              <a:t>2017/1/13</a:t>
+              <a:t>2017/2/10</a:t>
             </a:fld>
             <a:endParaRPr kumimoji="1" lang="ja-JP" altLang="en-US"/>
           </a:p>
@@ -27493,6 +27714,286 @@
           <a:lstStyle/>
           <a:p>
             <a:r>
+              <a:rPr kumimoji="1" lang="ja-JP" altLang="en-US" dirty="0" smtClean="0"/>
+              <a:t>サービスが解決すること①</a:t>
+            </a:r>
+            <a:endParaRPr kumimoji="1" lang="ja-JP" altLang="en-US" dirty="0"/>
+          </a:p>
+        </p:txBody>
+      </p:sp>
+      <p:graphicFrame>
+        <p:nvGraphicFramePr>
+          <p:cNvPr id="6" name="コンテンツ プレースホルダー 5"/>
+          <p:cNvGraphicFramePr>
+            <a:graphicFrameLocks noGrp="1"/>
+          </p:cNvGraphicFramePr>
+          <p:nvPr>
+            <p:ph idx="1"/>
+            <p:extLst>
+              <p:ext uri="{D42A27DB-BD31-4B8C-83A1-F6EECF244321}">
+                <p14:modId xmlns:p14="http://schemas.microsoft.com/office/powerpoint/2010/main" val="3172986614"/>
+              </p:ext>
+            </p:extLst>
+          </p:nvPr>
+        </p:nvGraphicFramePr>
+        <p:xfrm>
+          <a:off x="1143000" y="2057400"/>
+          <a:ext cx="9872871" cy="4038600"/>
+        </p:xfrm>
+        <a:graphic>
+          <a:graphicData uri="http://schemas.openxmlformats.org/drawingml/2006/diagram">
+            <dgm:relIds xmlns:dgm="http://schemas.openxmlformats.org/drawingml/2006/diagram" xmlns:r="http://schemas.openxmlformats.org/officeDocument/2006/relationships" r:dm="rId3" r:lo="rId4" r:qs="rId5" r:cs="rId6"/>
+          </a:graphicData>
+        </a:graphic>
+      </p:graphicFrame>
+    </p:spTree>
+    <p:extLst>
+      <p:ext uri="{BB962C8B-B14F-4D97-AF65-F5344CB8AC3E}">
+        <p14:creationId xmlns:p14="http://schemas.microsoft.com/office/powerpoint/2010/main" val="2129364282"/>
+      </p:ext>
+    </p:extLst>
+  </p:cSld>
+  <p:clrMapOvr>
+    <a:masterClrMapping/>
+  </p:clrMapOvr>
+  <p:timing>
+    <p:tnLst>
+      <p:par>
+        <p:cTn id="1" dur="indefinite" restart="never" nodeType="tmRoot">
+          <p:childTnLst>
+            <p:seq concurrent="1" nextAc="seek">
+              <p:cTn id="2" dur="indefinite" nodeType="mainSeq">
+                <p:childTnLst>
+                  <p:par>
+                    <p:cTn id="3" fill="hold">
+                      <p:stCondLst>
+                        <p:cond delay="indefinite"/>
+                      </p:stCondLst>
+                      <p:childTnLst>
+                        <p:par>
+                          <p:cTn id="4" fill="hold">
+                            <p:stCondLst>
+                              <p:cond delay="0"/>
+                            </p:stCondLst>
+                            <p:childTnLst>
+                              <p:par>
+                                <p:cTn id="5" presetID="10" presetClass="entr" presetSubtype="0" fill="hold" grpId="0" nodeType="clickEffect">
+                                  <p:stCondLst>
+                                    <p:cond delay="0"/>
+                                  </p:stCondLst>
+                                  <p:childTnLst>
+                                    <p:set>
+                                      <p:cBhvr>
+                                        <p:cTn id="6" dur="1" fill="hold">
+                                          <p:stCondLst>
+                                            <p:cond delay="0"/>
+                                          </p:stCondLst>
+                                        </p:cTn>
+                                        <p:tgtEl>
+                                          <p:spTgt spid="6">
+                                            <p:graphicEl>
+                                              <a:dgm id="{195A69B2-58D0-4C61-BD66-E3EA79A93A5B}"/>
+                                            </p:graphicEl>
+                                          </p:spTgt>
+                                        </p:tgtEl>
+                                        <p:attrNameLst>
+                                          <p:attrName>style.visibility</p:attrName>
+                                        </p:attrNameLst>
+                                      </p:cBhvr>
+                                      <p:to>
+                                        <p:strVal val="visible"/>
+                                      </p:to>
+                                    </p:set>
+                                    <p:animEffect transition="in" filter="fade">
+                                      <p:cBhvr>
+                                        <p:cTn id="7" dur="500"/>
+                                        <p:tgtEl>
+                                          <p:spTgt spid="6">
+                                            <p:graphicEl>
+                                              <a:dgm id="{195A69B2-58D0-4C61-BD66-E3EA79A93A5B}"/>
+                                            </p:graphicEl>
+                                          </p:spTgt>
+                                        </p:tgtEl>
+                                      </p:cBhvr>
+                                    </p:animEffect>
+                                  </p:childTnLst>
+                                </p:cTn>
+                              </p:par>
+                            </p:childTnLst>
+                          </p:cTn>
+                        </p:par>
+                      </p:childTnLst>
+                    </p:cTn>
+                  </p:par>
+                  <p:par>
+                    <p:cTn id="8" fill="hold">
+                      <p:stCondLst>
+                        <p:cond delay="indefinite"/>
+                      </p:stCondLst>
+                      <p:childTnLst>
+                        <p:par>
+                          <p:cTn id="9" fill="hold">
+                            <p:stCondLst>
+                              <p:cond delay="0"/>
+                            </p:stCondLst>
+                            <p:childTnLst>
+                              <p:par>
+                                <p:cTn id="10" presetID="10" presetClass="entr" presetSubtype="0" fill="hold" grpId="0" nodeType="clickEffect">
+                                  <p:stCondLst>
+                                    <p:cond delay="0"/>
+                                  </p:stCondLst>
+                                  <p:childTnLst>
+                                    <p:set>
+                                      <p:cBhvr>
+                                        <p:cTn id="11" dur="1" fill="hold">
+                                          <p:stCondLst>
+                                            <p:cond delay="0"/>
+                                          </p:stCondLst>
+                                        </p:cTn>
+                                        <p:tgtEl>
+                                          <p:spTgt spid="6">
+                                            <p:graphicEl>
+                                              <a:dgm id="{BA7C3F48-5D68-465E-B7F8-108E269D10CA}"/>
+                                            </p:graphicEl>
+                                          </p:spTgt>
+                                        </p:tgtEl>
+                                        <p:attrNameLst>
+                                          <p:attrName>style.visibility</p:attrName>
+                                        </p:attrNameLst>
+                                      </p:cBhvr>
+                                      <p:to>
+                                        <p:strVal val="visible"/>
+                                      </p:to>
+                                    </p:set>
+                                    <p:animEffect transition="in" filter="fade">
+                                      <p:cBhvr>
+                                        <p:cTn id="12" dur="500"/>
+                                        <p:tgtEl>
+                                          <p:spTgt spid="6">
+                                            <p:graphicEl>
+                                              <a:dgm id="{BA7C3F48-5D68-465E-B7F8-108E269D10CA}"/>
+                                            </p:graphicEl>
+                                          </p:spTgt>
+                                        </p:tgtEl>
+                                      </p:cBhvr>
+                                    </p:animEffect>
+                                  </p:childTnLst>
+                                </p:cTn>
+                              </p:par>
+                              <p:par>
+                                <p:cTn id="13" presetID="10" presetClass="entr" presetSubtype="0" fill="hold" grpId="0" nodeType="withEffect">
+                                  <p:stCondLst>
+                                    <p:cond delay="0"/>
+                                  </p:stCondLst>
+                                  <p:childTnLst>
+                                    <p:set>
+                                      <p:cBhvr>
+                                        <p:cTn id="14" dur="1" fill="hold">
+                                          <p:stCondLst>
+                                            <p:cond delay="0"/>
+                                          </p:stCondLst>
+                                        </p:cTn>
+                                        <p:tgtEl>
+                                          <p:spTgt spid="6">
+                                            <p:graphicEl>
+                                              <a:dgm id="{894AA7E0-84D6-4D54-B826-FF2DAF0ACA17}"/>
+                                            </p:graphicEl>
+                                          </p:spTgt>
+                                        </p:tgtEl>
+                                        <p:attrNameLst>
+                                          <p:attrName>style.visibility</p:attrName>
+                                        </p:attrNameLst>
+                                      </p:cBhvr>
+                                      <p:to>
+                                        <p:strVal val="visible"/>
+                                      </p:to>
+                                    </p:set>
+                                    <p:animEffect transition="in" filter="fade">
+                                      <p:cBhvr>
+                                        <p:cTn id="15" dur="500"/>
+                                        <p:tgtEl>
+                                          <p:spTgt spid="6">
+                                            <p:graphicEl>
+                                              <a:dgm id="{894AA7E0-84D6-4D54-B826-FF2DAF0ACA17}"/>
+                                            </p:graphicEl>
+                                          </p:spTgt>
+                                        </p:tgtEl>
+                                      </p:cBhvr>
+                                    </p:animEffect>
+                                  </p:childTnLst>
+                                </p:cTn>
+                              </p:par>
+                            </p:childTnLst>
+                          </p:cTn>
+                        </p:par>
+                      </p:childTnLst>
+                    </p:cTn>
+                  </p:par>
+                </p:childTnLst>
+              </p:cTn>
+              <p:prevCondLst>
+                <p:cond evt="onPrev" delay="0">
+                  <p:tgtEl>
+                    <p:sldTgt/>
+                  </p:tgtEl>
+                </p:cond>
+              </p:prevCondLst>
+              <p:nextCondLst>
+                <p:cond evt="onNext" delay="0">
+                  <p:tgtEl>
+                    <p:sldTgt/>
+                  </p:tgtEl>
+                </p:cond>
+              </p:nextCondLst>
+            </p:seq>
+          </p:childTnLst>
+        </p:cTn>
+      </p:par>
+    </p:tnLst>
+    <p:bldLst>
+      <p:bldGraphic spid="6" grpId="0">
+        <p:bldSub>
+          <a:bldDgm bld="one"/>
+        </p:bldSub>
+      </p:bldGraphic>
+    </p:bldLst>
+  </p:timing>
+</p:sld>
+</file>
+
+<file path=ppt/slides/slide11.xml><?xml version="1.0" encoding="utf-8"?>
+<p:sld xmlns:a="http://schemas.openxmlformats.org/drawingml/2006/main" xmlns:r="http://schemas.openxmlformats.org/officeDocument/2006/relationships" xmlns:p="http://schemas.openxmlformats.org/presentationml/2006/main">
+  <p:cSld>
+    <p:spTree>
+      <p:nvGrpSpPr>
+        <p:cNvPr id="1" name=""/>
+        <p:cNvGrpSpPr/>
+        <p:nvPr/>
+      </p:nvGrpSpPr>
+      <p:grpSpPr>
+        <a:xfrm>
+          <a:off x="0" y="0"/>
+          <a:ext cx="0" cy="0"/>
+          <a:chOff x="0" y="0"/>
+          <a:chExt cx="0" cy="0"/>
+        </a:xfrm>
+      </p:grpSpPr>
+      <p:sp>
+        <p:nvSpPr>
+          <p:cNvPr id="4" name="タイトル 3"/>
+          <p:cNvSpPr>
+            <a:spLocks noGrp="1"/>
+          </p:cNvSpPr>
+          <p:nvPr>
+            <p:ph type="title"/>
+          </p:nvPr>
+        </p:nvSpPr>
+        <p:spPr/>
+        <p:txBody>
+          <a:bodyPr/>
+          <a:lstStyle/>
+          <a:p>
+            <a:r>
               <a:rPr kumimoji="1" lang="en-US" altLang="ja-JP" dirty="0" smtClean="0"/>
               <a:t>Before </a:t>
             </a:r>
@@ -27535,7 +28036,20 @@
           <a:prstGeom prst="rect">
             <a:avLst/>
           </a:prstGeom>
-          <a:noFill/>
+          <a:ln w="38100" cap="sq">
+            <a:solidFill>
+              <a:srgbClr val="000000"/>
+            </a:solidFill>
+            <a:prstDash val="solid"/>
+            <a:miter lim="800000"/>
+          </a:ln>
+          <a:effectLst>
+            <a:outerShdw blurRad="50800" dist="38100" dir="2700000" algn="tl" rotWithShape="0">
+              <a:srgbClr val="000000">
+                <a:alpha val="43000"/>
+              </a:srgbClr>
+            </a:outerShdw>
+          </a:effectLst>
           <a:extLst>
             <a:ext uri="{909E8E84-426E-40DD-AFC4-6F175D3DCCD1}">
               <a14:hiddenFill xmlns:a14="http://schemas.microsoft.com/office/drawing/2010/main">
@@ -27549,7 +28063,7 @@
       </p:pic>
       <p:pic>
         <p:nvPicPr>
-          <p:cNvPr id="1028" name="Picture 4" descr="https://i.gyazo.com/aab8df3e4fd7b41549ca5458b2bf5b1d.png"/>
+          <p:cNvPr id="1028" name="Picture 4"/>
           <p:cNvPicPr>
             <a:picLocks noGrp="1" noChangeAspect="1" noChangeArrowheads="1"/>
           </p:cNvPicPr>
@@ -27565,20 +28079,32 @@
               </a:ext>
             </a:extLst>
           </a:blip>
-          <a:srcRect/>
           <a:stretch>
             <a:fillRect/>
           </a:stretch>
         </p:blipFill>
         <p:spPr bwMode="auto">
           <a:xfrm>
-            <a:off x="6594709" y="2487943"/>
-            <a:ext cx="4754563" cy="3161636"/>
+            <a:off x="6561438" y="1965960"/>
+            <a:ext cx="5198255" cy="3921111"/>
           </a:xfrm>
           <a:prstGeom prst="rect">
             <a:avLst/>
           </a:prstGeom>
-          <a:noFill/>
+          <a:ln w="38100" cap="sq">
+            <a:solidFill>
+              <a:srgbClr val="000000"/>
+            </a:solidFill>
+            <a:prstDash val="solid"/>
+            <a:miter lim="800000"/>
+          </a:ln>
+          <a:effectLst>
+            <a:outerShdw blurRad="50800" dist="38100" dir="2700000" algn="tl" rotWithShape="0">
+              <a:srgbClr val="000000">
+                <a:alpha val="43000"/>
+              </a:srgbClr>
+            </a:outerShdw>
+          </a:effectLst>
           <a:extLst>
             <a:ext uri="{909E8E84-426E-40DD-AFC4-6F175D3DCCD1}">
               <a14:hiddenFill xmlns:a14="http://schemas.microsoft.com/office/drawing/2010/main">
@@ -27700,10 +28226,167 @@
   <p:clrMapOvr>
     <a:masterClrMapping/>
   </p:clrMapOvr>
+  <p:timing>
+    <p:tnLst>
+      <p:par>
+        <p:cTn id="1" dur="indefinite" restart="never" nodeType="tmRoot">
+          <p:childTnLst>
+            <p:seq concurrent="1" nextAc="seek">
+              <p:cTn id="2" dur="indefinite" nodeType="mainSeq">
+                <p:childTnLst>
+                  <p:par>
+                    <p:cTn id="3" fill="hold">
+                      <p:stCondLst>
+                        <p:cond delay="indefinite"/>
+                      </p:stCondLst>
+                      <p:childTnLst>
+                        <p:par>
+                          <p:cTn id="4" fill="hold">
+                            <p:stCondLst>
+                              <p:cond delay="0"/>
+                            </p:stCondLst>
+                            <p:childTnLst>
+                              <p:par>
+                                <p:cTn id="5" presetID="10" presetClass="entr" presetSubtype="0" fill="hold" grpId="0" nodeType="clickEffect">
+                                  <p:stCondLst>
+                                    <p:cond delay="0"/>
+                                  </p:stCondLst>
+                                  <p:childTnLst>
+                                    <p:set>
+                                      <p:cBhvr>
+                                        <p:cTn id="6" dur="1" fill="hold">
+                                          <p:stCondLst>
+                                            <p:cond delay="0"/>
+                                          </p:stCondLst>
+                                        </p:cTn>
+                                        <p:tgtEl>
+                                          <p:spTgt spid="7"/>
+                                        </p:tgtEl>
+                                        <p:attrNameLst>
+                                          <p:attrName>style.visibility</p:attrName>
+                                        </p:attrNameLst>
+                                      </p:cBhvr>
+                                      <p:to>
+                                        <p:strVal val="visible"/>
+                                      </p:to>
+                                    </p:set>
+                                    <p:animEffect transition="in" filter="fade">
+                                      <p:cBhvr>
+                                        <p:cTn id="7" dur="500"/>
+                                        <p:tgtEl>
+                                          <p:spTgt spid="7"/>
+                                        </p:tgtEl>
+                                      </p:cBhvr>
+                                    </p:animEffect>
+                                  </p:childTnLst>
+                                </p:cTn>
+                              </p:par>
+                              <p:par>
+                                <p:cTn id="8" presetID="10" presetClass="entr" presetSubtype="0" fill="hold" nodeType="withEffect">
+                                  <p:stCondLst>
+                                    <p:cond delay="0"/>
+                                  </p:stCondLst>
+                                  <p:childTnLst>
+                                    <p:set>
+                                      <p:cBhvr>
+                                        <p:cTn id="9" dur="1" fill="hold">
+                                          <p:stCondLst>
+                                            <p:cond delay="0"/>
+                                          </p:stCondLst>
+                                        </p:cTn>
+                                        <p:tgtEl>
+                                          <p:spTgt spid="1028"/>
+                                        </p:tgtEl>
+                                        <p:attrNameLst>
+                                          <p:attrName>style.visibility</p:attrName>
+                                        </p:attrNameLst>
+                                      </p:cBhvr>
+                                      <p:to>
+                                        <p:strVal val="visible"/>
+                                      </p:to>
+                                    </p:set>
+                                    <p:animEffect transition="in" filter="fade">
+                                      <p:cBhvr>
+                                        <p:cTn id="10" dur="500"/>
+                                        <p:tgtEl>
+                                          <p:spTgt spid="1028"/>
+                                        </p:tgtEl>
+                                      </p:cBhvr>
+                                    </p:animEffect>
+                                  </p:childTnLst>
+                                </p:cTn>
+                              </p:par>
+                              <p:par>
+                                <p:cTn id="11" presetID="10" presetClass="entr" presetSubtype="0" fill="hold" grpId="0" nodeType="withEffect">
+                                  <p:stCondLst>
+                                    <p:cond delay="0"/>
+                                  </p:stCondLst>
+                                  <p:childTnLst>
+                                    <p:set>
+                                      <p:cBhvr>
+                                        <p:cTn id="12" dur="1" fill="hold">
+                                          <p:stCondLst>
+                                            <p:cond delay="0"/>
+                                          </p:stCondLst>
+                                        </p:cTn>
+                                        <p:tgtEl>
+                                          <p:spTgt spid="9"/>
+                                        </p:tgtEl>
+                                        <p:attrNameLst>
+                                          <p:attrName>style.visibility</p:attrName>
+                                        </p:attrNameLst>
+                                      </p:cBhvr>
+                                      <p:to>
+                                        <p:strVal val="visible"/>
+                                      </p:to>
+                                    </p:set>
+                                    <p:animEffect transition="in" filter="fade">
+                                      <p:cBhvr>
+                                        <p:cTn id="13" dur="500"/>
+                                        <p:tgtEl>
+                                          <p:spTgt spid="9"/>
+                                        </p:tgtEl>
+                                      </p:cBhvr>
+                                    </p:animEffect>
+                                  </p:childTnLst>
+                                </p:cTn>
+                              </p:par>
+                            </p:childTnLst>
+                          </p:cTn>
+                        </p:par>
+                      </p:childTnLst>
+                    </p:cTn>
+                  </p:par>
+                </p:childTnLst>
+              </p:cTn>
+              <p:prevCondLst>
+                <p:cond evt="onPrev" delay="0">
+                  <p:tgtEl>
+                    <p:sldTgt/>
+                  </p:tgtEl>
+                </p:cond>
+              </p:prevCondLst>
+              <p:nextCondLst>
+                <p:cond evt="onNext" delay="0">
+                  <p:tgtEl>
+                    <p:sldTgt/>
+                  </p:tgtEl>
+                </p:cond>
+              </p:nextCondLst>
+            </p:seq>
+          </p:childTnLst>
+        </p:cTn>
+      </p:par>
+    </p:tnLst>
+    <p:bldLst>
+      <p:bldP spid="7" grpId="0" animBg="1"/>
+      <p:bldP spid="9" grpId="0"/>
+    </p:bldLst>
+  </p:timing>
 </p:sld>
 </file>
 
-<file path=ppt/slides/slide11.xml><?xml version="1.0" encoding="utf-8"?>
+<file path=ppt/slides/slide12.xml><?xml version="1.0" encoding="utf-8"?>
 <p:sld xmlns:a="http://schemas.openxmlformats.org/drawingml/2006/main" xmlns:r="http://schemas.openxmlformats.org/officeDocument/2006/relationships" xmlns:p="http://schemas.openxmlformats.org/presentationml/2006/main">
   <p:cSld>
     <p:spTree>
@@ -27753,7 +28436,7 @@
             <p:ph idx="1"/>
             <p:extLst>
               <p:ext uri="{D42A27DB-BD31-4B8C-83A1-F6EECF244321}">
-                <p14:modId xmlns:p14="http://schemas.microsoft.com/office/powerpoint/2010/main" val="4093065042"/>
+                <p14:modId xmlns:p14="http://schemas.microsoft.com/office/powerpoint/2010/main" val="3443470052"/>
               </p:ext>
             </p:extLst>
           </p:nvPr>
@@ -27781,14 +28464,209 @@
   <p:timing>
     <p:tnLst>
       <p:par>
-        <p:cTn id="1" dur="indefinite" restart="never" nodeType="tmRoot"/>
+        <p:cTn id="1" dur="indefinite" restart="never" nodeType="tmRoot">
+          <p:childTnLst>
+            <p:seq concurrent="1" nextAc="seek">
+              <p:cTn id="2" dur="indefinite" nodeType="mainSeq">
+                <p:childTnLst>
+                  <p:par>
+                    <p:cTn id="3" fill="hold">
+                      <p:stCondLst>
+                        <p:cond delay="indefinite"/>
+                      </p:stCondLst>
+                      <p:childTnLst>
+                        <p:par>
+                          <p:cTn id="4" fill="hold">
+                            <p:stCondLst>
+                              <p:cond delay="0"/>
+                            </p:stCondLst>
+                            <p:childTnLst>
+                              <p:par>
+                                <p:cTn id="5" presetID="10" presetClass="entr" presetSubtype="0" fill="hold" grpId="0" nodeType="clickEffect">
+                                  <p:stCondLst>
+                                    <p:cond delay="0"/>
+                                  </p:stCondLst>
+                                  <p:childTnLst>
+                                    <p:set>
+                                      <p:cBhvr>
+                                        <p:cTn id="6" dur="1" fill="hold">
+                                          <p:stCondLst>
+                                            <p:cond delay="0"/>
+                                          </p:stCondLst>
+                                        </p:cTn>
+                                        <p:tgtEl>
+                                          <p:spTgt spid="4">
+                                            <p:graphicEl>
+                                              <a:dgm id="{112EB05D-F4D7-4DC9-BFAC-2159A5ACED7C}"/>
+                                            </p:graphicEl>
+                                          </p:spTgt>
+                                        </p:tgtEl>
+                                        <p:attrNameLst>
+                                          <p:attrName>style.visibility</p:attrName>
+                                        </p:attrNameLst>
+                                      </p:cBhvr>
+                                      <p:to>
+                                        <p:strVal val="visible"/>
+                                      </p:to>
+                                    </p:set>
+                                    <p:animEffect transition="in" filter="fade">
+                                      <p:cBhvr>
+                                        <p:cTn id="7" dur="500"/>
+                                        <p:tgtEl>
+                                          <p:spTgt spid="4">
+                                            <p:graphicEl>
+                                              <a:dgm id="{112EB05D-F4D7-4DC9-BFAC-2159A5ACED7C}"/>
+                                            </p:graphicEl>
+                                          </p:spTgt>
+                                        </p:tgtEl>
+                                      </p:cBhvr>
+                                    </p:animEffect>
+                                  </p:childTnLst>
+                                </p:cTn>
+                              </p:par>
+                            </p:childTnLst>
+                          </p:cTn>
+                        </p:par>
+                      </p:childTnLst>
+                    </p:cTn>
+                  </p:par>
+                  <p:par>
+                    <p:cTn id="8" fill="hold">
+                      <p:stCondLst>
+                        <p:cond delay="indefinite"/>
+                      </p:stCondLst>
+                      <p:childTnLst>
+                        <p:par>
+                          <p:cTn id="9" fill="hold">
+                            <p:stCondLst>
+                              <p:cond delay="0"/>
+                            </p:stCondLst>
+                            <p:childTnLst>
+                              <p:par>
+                                <p:cTn id="10" presetID="10" presetClass="entr" presetSubtype="0" fill="hold" grpId="0" nodeType="clickEffect">
+                                  <p:stCondLst>
+                                    <p:cond delay="0"/>
+                                  </p:stCondLst>
+                                  <p:childTnLst>
+                                    <p:set>
+                                      <p:cBhvr>
+                                        <p:cTn id="11" dur="1" fill="hold">
+                                          <p:stCondLst>
+                                            <p:cond delay="0"/>
+                                          </p:stCondLst>
+                                        </p:cTn>
+                                        <p:tgtEl>
+                                          <p:spTgt spid="4">
+                                            <p:graphicEl>
+                                              <a:dgm id="{88F5D1D2-E0EF-44FA-82C6-3D75217788DA}"/>
+                                            </p:graphicEl>
+                                          </p:spTgt>
+                                        </p:tgtEl>
+                                        <p:attrNameLst>
+                                          <p:attrName>style.visibility</p:attrName>
+                                        </p:attrNameLst>
+                                      </p:cBhvr>
+                                      <p:to>
+                                        <p:strVal val="visible"/>
+                                      </p:to>
+                                    </p:set>
+                                    <p:animEffect transition="in" filter="fade">
+                                      <p:cBhvr>
+                                        <p:cTn id="12" dur="500"/>
+                                        <p:tgtEl>
+                                          <p:spTgt spid="4">
+                                            <p:graphicEl>
+                                              <a:dgm id="{88F5D1D2-E0EF-44FA-82C6-3D75217788DA}"/>
+                                            </p:graphicEl>
+                                          </p:spTgt>
+                                        </p:tgtEl>
+                                      </p:cBhvr>
+                                    </p:animEffect>
+                                  </p:childTnLst>
+                                </p:cTn>
+                              </p:par>
+                              <p:par>
+                                <p:cTn id="13" presetID="10" presetClass="entr" presetSubtype="0" fill="hold" grpId="0" nodeType="withEffect">
+                                  <p:stCondLst>
+                                    <p:cond delay="0"/>
+                                  </p:stCondLst>
+                                  <p:childTnLst>
+                                    <p:set>
+                                      <p:cBhvr>
+                                        <p:cTn id="14" dur="1" fill="hold">
+                                          <p:stCondLst>
+                                            <p:cond delay="0"/>
+                                          </p:stCondLst>
+                                        </p:cTn>
+                                        <p:tgtEl>
+                                          <p:spTgt spid="4">
+                                            <p:graphicEl>
+                                              <a:dgm id="{5C3D8105-7C23-479E-A041-97B2B8904D25}"/>
+                                            </p:graphicEl>
+                                          </p:spTgt>
+                                        </p:tgtEl>
+                                        <p:attrNameLst>
+                                          <p:attrName>style.visibility</p:attrName>
+                                        </p:attrNameLst>
+                                      </p:cBhvr>
+                                      <p:to>
+                                        <p:strVal val="visible"/>
+                                      </p:to>
+                                    </p:set>
+                                    <p:animEffect transition="in" filter="fade">
+                                      <p:cBhvr>
+                                        <p:cTn id="15" dur="500"/>
+                                        <p:tgtEl>
+                                          <p:spTgt spid="4">
+                                            <p:graphicEl>
+                                              <a:dgm id="{5C3D8105-7C23-479E-A041-97B2B8904D25}"/>
+                                            </p:graphicEl>
+                                          </p:spTgt>
+                                        </p:tgtEl>
+                                      </p:cBhvr>
+                                    </p:animEffect>
+                                  </p:childTnLst>
+                                </p:cTn>
+                              </p:par>
+                            </p:childTnLst>
+                          </p:cTn>
+                        </p:par>
+                      </p:childTnLst>
+                    </p:cTn>
+                  </p:par>
+                </p:childTnLst>
+              </p:cTn>
+              <p:prevCondLst>
+                <p:cond evt="onPrev" delay="0">
+                  <p:tgtEl>
+                    <p:sldTgt/>
+                  </p:tgtEl>
+                </p:cond>
+              </p:prevCondLst>
+              <p:nextCondLst>
+                <p:cond evt="onNext" delay="0">
+                  <p:tgtEl>
+                    <p:sldTgt/>
+                  </p:tgtEl>
+                </p:cond>
+              </p:nextCondLst>
+            </p:seq>
+          </p:childTnLst>
+        </p:cTn>
       </p:par>
     </p:tnLst>
+    <p:bldLst>
+      <p:bldGraphic spid="4" grpId="0">
+        <p:bldSub>
+          <a:bldDgm bld="one"/>
+        </p:bldSub>
+      </p:bldGraphic>
+    </p:bldLst>
   </p:timing>
 </p:sld>
 </file>
 
-<file path=ppt/slides/slide12.xml><?xml version="1.0" encoding="utf-8"?>
+<file path=ppt/slides/slide13.xml><?xml version="1.0" encoding="utf-8"?>
 <p:sld xmlns:a="http://schemas.openxmlformats.org/drawingml/2006/main" xmlns:r="http://schemas.openxmlformats.org/officeDocument/2006/relationships" xmlns:p="http://schemas.openxmlformats.org/presentationml/2006/main">
   <p:cSld>
     <p:spTree>
@@ -27851,198 +28729,6 @@
     <p:extLst>
       <p:ext uri="{BB962C8B-B14F-4D97-AF65-F5344CB8AC3E}">
         <p14:creationId xmlns:p14="http://schemas.microsoft.com/office/powerpoint/2010/main" val="2672413511"/>
-      </p:ext>
-    </p:extLst>
-  </p:cSld>
-  <p:clrMapOvr>
-    <a:masterClrMapping/>
-  </p:clrMapOvr>
-  <p:timing>
-    <p:tnLst>
-      <p:par>
-        <p:cTn id="1" dur="indefinite" restart="never" nodeType="tmRoot"/>
-      </p:par>
-    </p:tnLst>
-  </p:timing>
-</p:sld>
-</file>
-
-<file path=ppt/slides/slide13.xml><?xml version="1.0" encoding="utf-8"?>
-<p:sld xmlns:a="http://schemas.openxmlformats.org/drawingml/2006/main" xmlns:r="http://schemas.openxmlformats.org/officeDocument/2006/relationships" xmlns:p="http://schemas.openxmlformats.org/presentationml/2006/main">
-  <p:cSld>
-    <p:spTree>
-      <p:nvGrpSpPr>
-        <p:cNvPr id="1" name=""/>
-        <p:cNvGrpSpPr/>
-        <p:nvPr/>
-      </p:nvGrpSpPr>
-      <p:grpSpPr>
-        <a:xfrm>
-          <a:off x="0" y="0"/>
-          <a:ext cx="0" cy="0"/>
-          <a:chOff x="0" y="0"/>
-          <a:chExt cx="0" cy="0"/>
-        </a:xfrm>
-      </p:grpSpPr>
-      <p:sp>
-        <p:nvSpPr>
-          <p:cNvPr id="2" name="タイトル 1"/>
-          <p:cNvSpPr>
-            <a:spLocks noGrp="1"/>
-          </p:cNvSpPr>
-          <p:nvPr>
-            <p:ph type="title"/>
-          </p:nvPr>
-        </p:nvSpPr>
-        <p:spPr/>
-        <p:txBody>
-          <a:bodyPr/>
-          <a:lstStyle/>
-          <a:p>
-            <a:r>
-              <a:rPr kumimoji="1" lang="ja-JP" altLang="en-US" dirty="0" smtClean="0"/>
-              <a:t>調査方法</a:t>
-            </a:r>
-            <a:endParaRPr kumimoji="1" lang="ja-JP" altLang="en-US" dirty="0"/>
-          </a:p>
-        </p:txBody>
-      </p:sp>
-      <p:sp>
-        <p:nvSpPr>
-          <p:cNvPr id="4" name="コンテンツ プレースホルダー 3"/>
-          <p:cNvSpPr>
-            <a:spLocks noGrp="1"/>
-          </p:cNvSpPr>
-          <p:nvPr>
-            <p:ph idx="1"/>
-          </p:nvPr>
-        </p:nvSpPr>
-        <p:spPr/>
-        <p:txBody>
-          <a:bodyPr>
-            <a:normAutofit/>
-          </a:bodyPr>
-          <a:lstStyle/>
-          <a:p>
-            <a:pPr>
-              <a:buFont typeface="Wingdings" panose="05000000000000000000" pitchFamily="2" charset="2"/>
-              <a:buChar char="l"/>
-            </a:pPr>
-            <a:r>
-              <a:rPr kumimoji="1" lang="ja-JP" altLang="en-US" sz="3600" dirty="0" smtClean="0">
-                <a:solidFill>
-                  <a:schemeClr val="tx1"/>
-                </a:solidFill>
-              </a:rPr>
-              <a:t>市場調査</a:t>
-            </a:r>
-            <a:endParaRPr kumimoji="1" lang="en-US" altLang="ja-JP" sz="3600" dirty="0" smtClean="0">
-              <a:solidFill>
-                <a:schemeClr val="tx1"/>
-              </a:solidFill>
-            </a:endParaRPr>
-          </a:p>
-          <a:p>
-            <a:pPr marL="45720" indent="0">
-              <a:buNone/>
-            </a:pPr>
-            <a:r>
-              <a:rPr lang="en-US" altLang="ja-JP" sz="3600" dirty="0">
-                <a:solidFill>
-                  <a:schemeClr val="tx1"/>
-                </a:solidFill>
-              </a:rPr>
-              <a:t>	</a:t>
-            </a:r>
-            <a:r>
-              <a:rPr kumimoji="1" lang="en-US" altLang="ja-JP" sz="3600" dirty="0" smtClean="0">
-                <a:solidFill>
-                  <a:schemeClr val="tx1"/>
-                </a:solidFill>
-              </a:rPr>
-              <a:t>Google</a:t>
-            </a:r>
-            <a:r>
-              <a:rPr kumimoji="1" lang="ja-JP" altLang="en-US" sz="3600" dirty="0" smtClean="0">
-                <a:solidFill>
-                  <a:schemeClr val="tx1"/>
-                </a:solidFill>
-              </a:rPr>
-              <a:t> </a:t>
-            </a:r>
-            <a:r>
-              <a:rPr kumimoji="1" lang="en-US" altLang="ja-JP" sz="3600" dirty="0" smtClean="0">
-                <a:solidFill>
-                  <a:schemeClr val="tx1"/>
-                </a:solidFill>
-              </a:rPr>
-              <a:t>form</a:t>
-            </a:r>
-            <a:r>
-              <a:rPr kumimoji="1" lang="ja-JP" altLang="en-US" sz="3600" dirty="0" smtClean="0">
-                <a:solidFill>
-                  <a:schemeClr val="tx1"/>
-                </a:solidFill>
-              </a:rPr>
-              <a:t>を用いたアンケート</a:t>
-            </a:r>
-            <a:endParaRPr lang="en-US" altLang="ja-JP" sz="3600" dirty="0">
-              <a:solidFill>
-                <a:schemeClr val="tx1"/>
-              </a:solidFill>
-            </a:endParaRPr>
-          </a:p>
-          <a:p>
-            <a:pPr>
-              <a:buFont typeface="Wingdings" panose="05000000000000000000" pitchFamily="2" charset="2"/>
-              <a:buChar char="l"/>
-            </a:pPr>
-            <a:r>
-              <a:rPr kumimoji="1" lang="ja-JP" altLang="en-US" sz="3600" dirty="0" smtClean="0">
-                <a:solidFill>
-                  <a:schemeClr val="tx1"/>
-                </a:solidFill>
-              </a:rPr>
-              <a:t>サービスの価値の調査</a:t>
-            </a:r>
-            <a:endParaRPr kumimoji="1" lang="en-US" altLang="ja-JP" sz="3600" dirty="0" smtClean="0">
-              <a:solidFill>
-                <a:schemeClr val="tx1"/>
-              </a:solidFill>
-            </a:endParaRPr>
-          </a:p>
-          <a:p>
-            <a:pPr marL="45720" indent="0">
-              <a:buNone/>
-            </a:pPr>
-            <a:r>
-              <a:rPr lang="en-US" altLang="ja-JP" sz="3600" dirty="0">
-                <a:solidFill>
-                  <a:schemeClr val="tx1"/>
-                </a:solidFill>
-              </a:rPr>
-              <a:t>	</a:t>
-            </a:r>
-            <a:r>
-              <a:rPr lang="ja-JP" altLang="en-US" sz="3600" dirty="0" smtClean="0">
-                <a:solidFill>
-                  <a:schemeClr val="tx1"/>
-                </a:solidFill>
-              </a:rPr>
-              <a:t>プロトタイプを用いたインタビュー</a:t>
-            </a:r>
-            <a:endParaRPr kumimoji="1" lang="ja-JP" altLang="en-US" sz="3600" dirty="0">
-              <a:solidFill>
-                <a:schemeClr val="tx1"/>
-              </a:solidFill>
-            </a:endParaRPr>
-          </a:p>
-        </p:txBody>
-      </p:sp>
-    </p:spTree>
-    <p:extLst>
-      <p:ext uri="{BB962C8B-B14F-4D97-AF65-F5344CB8AC3E}">
-        <p14:creationId xmlns:p14="http://schemas.microsoft.com/office/powerpoint/2010/main" val="2590694574"/>
       </p:ext>
     </p:extLst>
   </p:cSld>
@@ -28078,6 +28764,198 @@
       </p:grpSpPr>
       <p:sp>
         <p:nvSpPr>
+          <p:cNvPr id="2" name="タイトル 1"/>
+          <p:cNvSpPr>
+            <a:spLocks noGrp="1"/>
+          </p:cNvSpPr>
+          <p:nvPr>
+            <p:ph type="title"/>
+          </p:nvPr>
+        </p:nvSpPr>
+        <p:spPr/>
+        <p:txBody>
+          <a:bodyPr/>
+          <a:lstStyle/>
+          <a:p>
+            <a:r>
+              <a:rPr kumimoji="1" lang="ja-JP" altLang="en-US" dirty="0" smtClean="0"/>
+              <a:t>調査方法</a:t>
+            </a:r>
+            <a:endParaRPr kumimoji="1" lang="ja-JP" altLang="en-US" dirty="0"/>
+          </a:p>
+        </p:txBody>
+      </p:sp>
+      <p:sp>
+        <p:nvSpPr>
+          <p:cNvPr id="4" name="コンテンツ プレースホルダー 3"/>
+          <p:cNvSpPr>
+            <a:spLocks noGrp="1"/>
+          </p:cNvSpPr>
+          <p:nvPr>
+            <p:ph idx="1"/>
+          </p:nvPr>
+        </p:nvSpPr>
+        <p:spPr/>
+        <p:txBody>
+          <a:bodyPr>
+            <a:normAutofit/>
+          </a:bodyPr>
+          <a:lstStyle/>
+          <a:p>
+            <a:pPr>
+              <a:buFont typeface="Wingdings" panose="05000000000000000000" pitchFamily="2" charset="2"/>
+              <a:buChar char="l"/>
+            </a:pPr>
+            <a:r>
+              <a:rPr kumimoji="1" lang="ja-JP" altLang="en-US" sz="3600" dirty="0" smtClean="0">
+                <a:solidFill>
+                  <a:schemeClr val="tx1"/>
+                </a:solidFill>
+              </a:rPr>
+              <a:t>市場調査</a:t>
+            </a:r>
+            <a:endParaRPr kumimoji="1" lang="en-US" altLang="ja-JP" sz="3600" dirty="0" smtClean="0">
+              <a:solidFill>
+                <a:schemeClr val="tx1"/>
+              </a:solidFill>
+            </a:endParaRPr>
+          </a:p>
+          <a:p>
+            <a:pPr marL="45720" indent="0">
+              <a:buNone/>
+            </a:pPr>
+            <a:r>
+              <a:rPr lang="en-US" altLang="ja-JP" sz="3600" dirty="0">
+                <a:solidFill>
+                  <a:schemeClr val="tx1"/>
+                </a:solidFill>
+              </a:rPr>
+              <a:t>	</a:t>
+            </a:r>
+            <a:r>
+              <a:rPr kumimoji="1" lang="en-US" altLang="ja-JP" sz="3600" dirty="0" smtClean="0">
+                <a:solidFill>
+                  <a:schemeClr val="tx1"/>
+                </a:solidFill>
+              </a:rPr>
+              <a:t>Google</a:t>
+            </a:r>
+            <a:r>
+              <a:rPr kumimoji="1" lang="ja-JP" altLang="en-US" sz="3600" dirty="0" smtClean="0">
+                <a:solidFill>
+                  <a:schemeClr val="tx1"/>
+                </a:solidFill>
+              </a:rPr>
+              <a:t> </a:t>
+            </a:r>
+            <a:r>
+              <a:rPr kumimoji="1" lang="en-US" altLang="ja-JP" sz="3600" dirty="0" smtClean="0">
+                <a:solidFill>
+                  <a:schemeClr val="tx1"/>
+                </a:solidFill>
+              </a:rPr>
+              <a:t>form</a:t>
+            </a:r>
+            <a:r>
+              <a:rPr kumimoji="1" lang="ja-JP" altLang="en-US" sz="3600" dirty="0" smtClean="0">
+                <a:solidFill>
+                  <a:schemeClr val="tx1"/>
+                </a:solidFill>
+              </a:rPr>
+              <a:t>を用いたアンケート</a:t>
+            </a:r>
+            <a:endParaRPr lang="en-US" altLang="ja-JP" sz="3600" dirty="0">
+              <a:solidFill>
+                <a:schemeClr val="tx1"/>
+              </a:solidFill>
+            </a:endParaRPr>
+          </a:p>
+          <a:p>
+            <a:pPr>
+              <a:buFont typeface="Wingdings" panose="05000000000000000000" pitchFamily="2" charset="2"/>
+              <a:buChar char="l"/>
+            </a:pPr>
+            <a:r>
+              <a:rPr kumimoji="1" lang="ja-JP" altLang="en-US" sz="3600" dirty="0" smtClean="0">
+                <a:solidFill>
+                  <a:schemeClr val="tx1"/>
+                </a:solidFill>
+              </a:rPr>
+              <a:t>サービスの価値の調査</a:t>
+            </a:r>
+            <a:endParaRPr kumimoji="1" lang="en-US" altLang="ja-JP" sz="3600" dirty="0" smtClean="0">
+              <a:solidFill>
+                <a:schemeClr val="tx1"/>
+              </a:solidFill>
+            </a:endParaRPr>
+          </a:p>
+          <a:p>
+            <a:pPr marL="45720" indent="0">
+              <a:buNone/>
+            </a:pPr>
+            <a:r>
+              <a:rPr lang="en-US" altLang="ja-JP" sz="3600" dirty="0">
+                <a:solidFill>
+                  <a:schemeClr val="tx1"/>
+                </a:solidFill>
+              </a:rPr>
+              <a:t>	</a:t>
+            </a:r>
+            <a:r>
+              <a:rPr lang="ja-JP" altLang="en-US" sz="3600" dirty="0" smtClean="0">
+                <a:solidFill>
+                  <a:schemeClr val="tx1"/>
+                </a:solidFill>
+              </a:rPr>
+              <a:t>プロトタイプを用いたインタビュー</a:t>
+            </a:r>
+            <a:endParaRPr kumimoji="1" lang="ja-JP" altLang="en-US" sz="3600" dirty="0">
+              <a:solidFill>
+                <a:schemeClr val="tx1"/>
+              </a:solidFill>
+            </a:endParaRPr>
+          </a:p>
+        </p:txBody>
+      </p:sp>
+    </p:spTree>
+    <p:extLst>
+      <p:ext uri="{BB962C8B-B14F-4D97-AF65-F5344CB8AC3E}">
+        <p14:creationId xmlns:p14="http://schemas.microsoft.com/office/powerpoint/2010/main" val="2590694574"/>
+      </p:ext>
+    </p:extLst>
+  </p:cSld>
+  <p:clrMapOvr>
+    <a:masterClrMapping/>
+  </p:clrMapOvr>
+  <p:timing>
+    <p:tnLst>
+      <p:par>
+        <p:cTn id="1" dur="indefinite" restart="never" nodeType="tmRoot"/>
+      </p:par>
+    </p:tnLst>
+  </p:timing>
+</p:sld>
+</file>
+
+<file path=ppt/slides/slide15.xml><?xml version="1.0" encoding="utf-8"?>
+<p:sld xmlns:a="http://schemas.openxmlformats.org/drawingml/2006/main" xmlns:r="http://schemas.openxmlformats.org/officeDocument/2006/relationships" xmlns:p="http://schemas.openxmlformats.org/presentationml/2006/main">
+  <p:cSld>
+    <p:spTree>
+      <p:nvGrpSpPr>
+        <p:cNvPr id="1" name=""/>
+        <p:cNvGrpSpPr/>
+        <p:nvPr/>
+      </p:nvGrpSpPr>
+      <p:grpSpPr>
+        <a:xfrm>
+          <a:off x="0" y="0"/>
+          <a:ext cx="0" cy="0"/>
+          <a:chOff x="0" y="0"/>
+          <a:chExt cx="0" cy="0"/>
+        </a:xfrm>
+      </p:grpSpPr>
+      <p:sp>
+        <p:nvSpPr>
           <p:cNvPr id="3" name="タイトル 2"/>
           <p:cNvSpPr>
             <a:spLocks noGrp="1"/>
@@ -28138,7 +29016,7 @@
 </p:sld>
 </file>
 
-<file path=ppt/slides/slide15.xml><?xml version="1.0" encoding="utf-8"?>
+<file path=ppt/slides/slide16.xml><?xml version="1.0" encoding="utf-8"?>
 <p:sld xmlns:a="http://schemas.openxmlformats.org/drawingml/2006/main" xmlns:r="http://schemas.openxmlformats.org/officeDocument/2006/relationships" xmlns:p="http://schemas.openxmlformats.org/presentationml/2006/main">
   <p:cSld>
     <p:spTree>
@@ -28401,7 +29279,7 @@
 </p:sld>
 </file>
 
-<file path=ppt/slides/slide16.xml><?xml version="1.0" encoding="utf-8"?>
+<file path=ppt/slides/slide17.xml><?xml version="1.0" encoding="utf-8"?>
 <p:sld xmlns:a="http://schemas.openxmlformats.org/drawingml/2006/main" xmlns:r="http://schemas.openxmlformats.org/officeDocument/2006/relationships" xmlns:p="http://schemas.openxmlformats.org/presentationml/2006/main">
   <p:cSld>
     <p:spTree>
@@ -28755,7 +29633,7 @@
 </p:sld>
 </file>
 
-<file path=ppt/slides/slide17.xml><?xml version="1.0" encoding="utf-8"?>
+<file path=ppt/slides/slide18.xml><?xml version="1.0" encoding="utf-8"?>
 <p:sld xmlns:a="http://schemas.openxmlformats.org/drawingml/2006/main" xmlns:r="http://schemas.openxmlformats.org/officeDocument/2006/relationships" xmlns:p="http://schemas.openxmlformats.org/presentationml/2006/main">
   <p:cSld>
     <p:spTree>
@@ -29579,7 +30457,7 @@
 </p:sld>
 </file>
 
-<file path=ppt/slides/slide18.xml><?xml version="1.0" encoding="utf-8"?>
+<file path=ppt/slides/slide19.xml><?xml version="1.0" encoding="utf-8"?>
 <p:sld xmlns:a="http://schemas.openxmlformats.org/drawingml/2006/main" xmlns:r="http://schemas.openxmlformats.org/officeDocument/2006/relationships" xmlns:p="http://schemas.openxmlformats.org/presentationml/2006/main">
   <p:cSld>
     <p:spTree>
@@ -29756,84 +30634,6 @@
 </p:sld>
 </file>
 
-<file path=ppt/slides/slide19.xml><?xml version="1.0" encoding="utf-8"?>
-<p:sld xmlns:a="http://schemas.openxmlformats.org/drawingml/2006/main" xmlns:r="http://schemas.openxmlformats.org/officeDocument/2006/relationships" xmlns:p="http://schemas.openxmlformats.org/presentationml/2006/main">
-  <p:cSld>
-    <p:spTree>
-      <p:nvGrpSpPr>
-        <p:cNvPr id="1" name=""/>
-        <p:cNvGrpSpPr/>
-        <p:nvPr/>
-      </p:nvGrpSpPr>
-      <p:grpSpPr>
-        <a:xfrm>
-          <a:off x="0" y="0"/>
-          <a:ext cx="0" cy="0"/>
-          <a:chOff x="0" y="0"/>
-          <a:chExt cx="0" cy="0"/>
-        </a:xfrm>
-      </p:grpSpPr>
-      <p:sp>
-        <p:nvSpPr>
-          <p:cNvPr id="2" name="タイトル 1"/>
-          <p:cNvSpPr>
-            <a:spLocks noGrp="1"/>
-          </p:cNvSpPr>
-          <p:nvPr>
-            <p:ph type="title"/>
-          </p:nvPr>
-        </p:nvSpPr>
-        <p:spPr/>
-        <p:txBody>
-          <a:bodyPr/>
-          <a:lstStyle/>
-          <a:p>
-            <a:r>
-              <a:rPr kumimoji="1" lang="ja-JP" altLang="en-US" dirty="0" smtClean="0"/>
-              <a:t>有料機能・無料機能</a:t>
-            </a:r>
-            <a:endParaRPr kumimoji="1" lang="ja-JP" altLang="en-US" dirty="0"/>
-          </a:p>
-        </p:txBody>
-      </p:sp>
-      <p:graphicFrame>
-        <p:nvGraphicFramePr>
-          <p:cNvPr id="4" name="コンテンツ プレースホルダー 3"/>
-          <p:cNvGraphicFramePr>
-            <a:graphicFrameLocks noGrp="1"/>
-          </p:cNvGraphicFramePr>
-          <p:nvPr>
-            <p:ph idx="1"/>
-            <p:extLst>
-              <p:ext uri="{D42A27DB-BD31-4B8C-83A1-F6EECF244321}">
-                <p14:modId xmlns:p14="http://schemas.microsoft.com/office/powerpoint/2010/main" val="965058653"/>
-              </p:ext>
-            </p:extLst>
-          </p:nvPr>
-        </p:nvGraphicFramePr>
-        <p:xfrm>
-          <a:off x="1143000" y="2057400"/>
-          <a:ext cx="9872663" cy="4038600"/>
-        </p:xfrm>
-        <a:graphic>
-          <a:graphicData uri="http://schemas.openxmlformats.org/drawingml/2006/diagram">
-            <dgm:relIds xmlns:dgm="http://schemas.openxmlformats.org/drawingml/2006/diagram" xmlns:r="http://schemas.openxmlformats.org/officeDocument/2006/relationships" r:dm="rId3" r:lo="rId4" r:qs="rId5" r:cs="rId6"/>
-          </a:graphicData>
-        </a:graphic>
-      </p:graphicFrame>
-    </p:spTree>
-    <p:extLst>
-      <p:ext uri="{BB962C8B-B14F-4D97-AF65-F5344CB8AC3E}">
-        <p14:creationId xmlns:p14="http://schemas.microsoft.com/office/powerpoint/2010/main" val="1241666923"/>
-      </p:ext>
-    </p:extLst>
-  </p:cSld>
-  <p:clrMapOvr>
-    <a:masterClrMapping/>
-  </p:clrMapOvr>
-</p:sld>
-</file>
-
 <file path=ppt/slides/slide2.xml><?xml version="1.0" encoding="utf-8"?>
 <p:sld xmlns:a="http://schemas.openxmlformats.org/drawingml/2006/main" xmlns:r="http://schemas.openxmlformats.org/officeDocument/2006/relationships" xmlns:p="http://schemas.openxmlformats.org/presentationml/2006/main">
   <p:cSld>
@@ -29853,7 +30653,7 @@
       </p:grpSpPr>
       <p:sp>
         <p:nvSpPr>
-          <p:cNvPr id="2" name="タイトル 1"/>
+          <p:cNvPr id="6" name="タイトル 5"/>
           <p:cNvSpPr>
             <a:spLocks noGrp="1"/>
           </p:cNvSpPr>
@@ -29861,82 +30661,42 @@
             <p:ph type="title"/>
           </p:nvPr>
         </p:nvSpPr>
-        <p:spPr>
-          <a:xfrm>
-            <a:off x="449590" y="609599"/>
-            <a:ext cx="11590986" cy="1356360"/>
-          </a:xfrm>
-        </p:spPr>
+        <p:spPr/>
         <p:txBody>
           <a:bodyPr/>
           <a:lstStyle/>
           <a:p>
             <a:r>
               <a:rPr kumimoji="1" lang="ja-JP" altLang="en-US" dirty="0" smtClean="0"/>
-              <a:t>ブックマークは使いづらい</a:t>
+              <a:t>ブックマークに不満を抱えている人がいる</a:t>
             </a:r>
             <a:endParaRPr kumimoji="1" lang="ja-JP" altLang="en-US" dirty="0"/>
           </a:p>
         </p:txBody>
       </p:sp>
-      <p:graphicFrame>
-        <p:nvGraphicFramePr>
-          <p:cNvPr id="4" name="コンテンツ プレースホルダー 4"/>
-          <p:cNvGraphicFramePr>
-            <a:graphicFrameLocks noGrp="1"/>
-          </p:cNvGraphicFramePr>
-          <p:nvPr>
-            <p:extLst>
-              <p:ext uri="{D42A27DB-BD31-4B8C-83A1-F6EECF244321}">
-                <p14:modId xmlns:p14="http://schemas.microsoft.com/office/powerpoint/2010/main" val="2027218470"/>
-              </p:ext>
-            </p:extLst>
-          </p:nvPr>
-        </p:nvGraphicFramePr>
-        <p:xfrm>
-          <a:off x="1354348" y="1965959"/>
-          <a:ext cx="9146814" cy="2991051"/>
-        </p:xfrm>
-        <a:graphic>
-          <a:graphicData uri="http://schemas.openxmlformats.org/drawingml/2006/diagram">
-            <dgm:relIds xmlns:dgm="http://schemas.openxmlformats.org/drawingml/2006/diagram" xmlns:r="http://schemas.openxmlformats.org/officeDocument/2006/relationships" r:dm="rId3" r:lo="rId4" r:qs="rId5" r:cs="rId6"/>
-          </a:graphicData>
-        </a:graphic>
-      </p:graphicFrame>
       <p:sp>
         <p:nvSpPr>
-          <p:cNvPr id="5" name="テキスト ボックス 4"/>
-          <p:cNvSpPr txBox="1"/>
-          <p:nvPr/>
+          <p:cNvPr id="7" name="テキスト プレースホルダー 6"/>
+          <p:cNvSpPr>
+            <a:spLocks noGrp="1"/>
+          </p:cNvSpPr>
+          <p:nvPr>
+            <p:ph type="body" idx="1"/>
+          </p:nvPr>
         </p:nvSpPr>
-        <p:spPr>
-          <a:xfrm>
-            <a:off x="10289406" y="4957011"/>
-            <a:ext cx="1317990" cy="707886"/>
-          </a:xfrm>
-          <a:prstGeom prst="rect">
-            <a:avLst/>
-          </a:prstGeom>
-          <a:noFill/>
-        </p:spPr>
+        <p:spPr/>
         <p:txBody>
-          <a:bodyPr wrap="none" rtlCol="0">
-            <a:spAutoFit/>
-          </a:bodyPr>
+          <a:bodyPr/>
           <a:lstStyle/>
           <a:p>
-            <a:r>
-              <a:rPr lang="en-US" altLang="ja-JP" sz="4000" b="1" dirty="0" smtClean="0"/>
-              <a:t>etc…</a:t>
-            </a:r>
-            <a:endParaRPr kumimoji="1" lang="ja-JP" altLang="en-US" sz="4000" b="1" dirty="0"/>
+            <a:endParaRPr kumimoji="1" lang="en-US" altLang="ja-JP" dirty="0" smtClean="0"/>
           </a:p>
         </p:txBody>
       </p:sp>
     </p:spTree>
     <p:extLst>
       <p:ext uri="{BB962C8B-B14F-4D97-AF65-F5344CB8AC3E}">
-        <p14:creationId xmlns:p14="http://schemas.microsoft.com/office/powerpoint/2010/main" val="2800003575"/>
+        <p14:creationId xmlns:p14="http://schemas.microsoft.com/office/powerpoint/2010/main" val="3762985058"/>
       </p:ext>
     </p:extLst>
   </p:cSld>
@@ -29986,6 +30746,91 @@
           <a:lstStyle/>
           <a:p>
             <a:r>
+              <a:rPr kumimoji="1" lang="ja-JP" altLang="en-US" dirty="0" smtClean="0"/>
+              <a:t>有料機能・無料機能</a:t>
+            </a:r>
+            <a:endParaRPr kumimoji="1" lang="ja-JP" altLang="en-US" dirty="0"/>
+          </a:p>
+        </p:txBody>
+      </p:sp>
+      <p:graphicFrame>
+        <p:nvGraphicFramePr>
+          <p:cNvPr id="4" name="コンテンツ プレースホルダー 3"/>
+          <p:cNvGraphicFramePr>
+            <a:graphicFrameLocks noGrp="1"/>
+          </p:cNvGraphicFramePr>
+          <p:nvPr>
+            <p:ph idx="1"/>
+            <p:extLst>
+              <p:ext uri="{D42A27DB-BD31-4B8C-83A1-F6EECF244321}">
+                <p14:modId xmlns:p14="http://schemas.microsoft.com/office/powerpoint/2010/main" val="1932856609"/>
+              </p:ext>
+            </p:extLst>
+          </p:nvPr>
+        </p:nvGraphicFramePr>
+        <p:xfrm>
+          <a:off x="1143000" y="2057400"/>
+          <a:ext cx="9872663" cy="4038600"/>
+        </p:xfrm>
+        <a:graphic>
+          <a:graphicData uri="http://schemas.openxmlformats.org/drawingml/2006/diagram">
+            <dgm:relIds xmlns:dgm="http://schemas.openxmlformats.org/drawingml/2006/diagram" xmlns:r="http://schemas.openxmlformats.org/officeDocument/2006/relationships" r:dm="rId3" r:lo="rId4" r:qs="rId5" r:cs="rId6"/>
+          </a:graphicData>
+        </a:graphic>
+      </p:graphicFrame>
+    </p:spTree>
+    <p:extLst>
+      <p:ext uri="{BB962C8B-B14F-4D97-AF65-F5344CB8AC3E}">
+        <p14:creationId xmlns:p14="http://schemas.microsoft.com/office/powerpoint/2010/main" val="1241666923"/>
+      </p:ext>
+    </p:extLst>
+  </p:cSld>
+  <p:clrMapOvr>
+    <a:masterClrMapping/>
+  </p:clrMapOvr>
+  <p:timing>
+    <p:tnLst>
+      <p:par>
+        <p:cTn id="1" dur="indefinite" restart="never" nodeType="tmRoot"/>
+      </p:par>
+    </p:tnLst>
+  </p:timing>
+</p:sld>
+</file>
+
+<file path=ppt/slides/slide21.xml><?xml version="1.0" encoding="utf-8"?>
+<p:sld xmlns:a="http://schemas.openxmlformats.org/drawingml/2006/main" xmlns:r="http://schemas.openxmlformats.org/officeDocument/2006/relationships" xmlns:p="http://schemas.openxmlformats.org/presentationml/2006/main">
+  <p:cSld>
+    <p:spTree>
+      <p:nvGrpSpPr>
+        <p:cNvPr id="1" name=""/>
+        <p:cNvGrpSpPr/>
+        <p:nvPr/>
+      </p:nvGrpSpPr>
+      <p:grpSpPr>
+        <a:xfrm>
+          <a:off x="0" y="0"/>
+          <a:ext cx="0" cy="0"/>
+          <a:chOff x="0" y="0"/>
+          <a:chExt cx="0" cy="0"/>
+        </a:xfrm>
+      </p:grpSpPr>
+      <p:sp>
+        <p:nvSpPr>
+          <p:cNvPr id="2" name="タイトル 1"/>
+          <p:cNvSpPr>
+            <a:spLocks noGrp="1"/>
+          </p:cNvSpPr>
+          <p:nvPr>
+            <p:ph type="title"/>
+          </p:nvPr>
+        </p:nvSpPr>
+        <p:spPr/>
+        <p:txBody>
+          <a:bodyPr/>
+          <a:lstStyle/>
+          <a:p>
+            <a:r>
               <a:rPr lang="ja-JP" altLang="en-US" dirty="0" smtClean="0"/>
               <a:t>収益予測</a:t>
             </a:r>
@@ -30046,28 +30891,16 @@
               <a:t>有料会員５％　 </a:t>
             </a:r>
             <a:r>
+              <a:rPr lang="ja-JP" altLang="en-US" sz="3200" dirty="0" smtClean="0"/>
+              <a:t>　　    </a:t>
+            </a:r>
+            <a:r>
               <a:rPr lang="ja-JP" altLang="en-US" sz="3200" dirty="0" smtClean="0">
                 <a:solidFill>
                   <a:srgbClr val="FF0000"/>
                 </a:solidFill>
               </a:rPr>
-              <a:t>２</a:t>
-            </a:r>
-            <a:r>
-              <a:rPr lang="ja-JP" altLang="en-US" sz="3200" dirty="0">
-                <a:solidFill>
-                  <a:srgbClr val="FF0000"/>
-                </a:solidFill>
-              </a:rPr>
-              <a:t>６</a:t>
-            </a:r>
-            <a:r>
-              <a:rPr lang="ja-JP" altLang="en-US" sz="3200" dirty="0" smtClean="0">
-                <a:solidFill>
-                  <a:srgbClr val="FF0000"/>
-                </a:solidFill>
-              </a:rPr>
-              <a:t>万人</a:t>
+              <a:t>２６万人</a:t>
             </a:r>
             <a:r>
               <a:rPr lang="ja-JP" altLang="en-US" sz="3200" dirty="0" smtClean="0"/>
@@ -30108,7 +30941,15 @@
               <a:t>７</a:t>
             </a:r>
             <a:r>
-              <a:rPr lang="ja-JP" altLang="en-US" sz="3200" dirty="0">
+              <a:rPr lang="en-US" altLang="ja-JP" sz="3200" dirty="0" smtClean="0">
+                <a:solidFill>
+                  <a:srgbClr val="FF0000"/>
+                </a:solidFill>
+              </a:rPr>
+              <a:t>,</a:t>
+            </a:r>
+            <a:r>
+              <a:rPr lang="ja-JP" altLang="en-US" sz="3200" dirty="0" smtClean="0">
                 <a:solidFill>
                   <a:srgbClr val="FF0000"/>
                 </a:solidFill>
@@ -30180,7 +31021,15 @@
               <a:t>７</a:t>
             </a:r>
             <a:r>
-              <a:rPr lang="ja-JP" altLang="en-US" sz="4000" dirty="0">
+              <a:rPr lang="en-US" altLang="ja-JP" sz="4000" dirty="0" smtClean="0">
+                <a:solidFill>
+                  <a:schemeClr val="tx1"/>
+                </a:solidFill>
+              </a:rPr>
+              <a:t>,</a:t>
+            </a:r>
+            <a:r>
+              <a:rPr lang="ja-JP" altLang="en-US" sz="4000" dirty="0" smtClean="0">
                 <a:solidFill>
                   <a:schemeClr val="tx1"/>
                 </a:solidFill>
@@ -30193,7 +31042,15 @@
                   <a:schemeClr val="tx1"/>
                 </a:solidFill>
               </a:rPr>
-              <a:t>００万円の売り上げ見込み</a:t>
+              <a:t>００万円</a:t>
+            </a:r>
+            <a:r>
+              <a:rPr kumimoji="1" lang="ja-JP" altLang="en-US" sz="4000" dirty="0" smtClean="0">
+                <a:solidFill>
+                  <a:schemeClr val="tx1"/>
+                </a:solidFill>
+              </a:rPr>
+              <a:t>の売り上げ見込み</a:t>
             </a:r>
             <a:endParaRPr kumimoji="1" lang="ja-JP" altLang="en-US" sz="4000" dirty="0">
               <a:solidFill>
@@ -30302,7 +31159,7 @@
 </p:sld>
 </file>
 
-<file path=ppt/slides/slide21.xml><?xml version="1.0" encoding="utf-8"?>
+<file path=ppt/slides/slide22.xml><?xml version="1.0" encoding="utf-8"?>
 <p:sld xmlns:a="http://schemas.openxmlformats.org/drawingml/2006/main" xmlns:r="http://schemas.openxmlformats.org/officeDocument/2006/relationships" xmlns:p="http://schemas.openxmlformats.org/presentationml/2006/main">
   <p:cSld>
     <p:spTree>
@@ -30377,10 +31234,463 @@
   <p:clrMapOvr>
     <a:masterClrMapping/>
   </p:clrMapOvr>
+  <p:timing>
+    <p:tnLst>
+      <p:par>
+        <p:cTn id="1" dur="indefinite" restart="never" nodeType="tmRoot"/>
+      </p:par>
+    </p:tnLst>
+  </p:timing>
 </p:sld>
 </file>
 
 <file path=ppt/slides/slide3.xml><?xml version="1.0" encoding="utf-8"?>
+<p:sld xmlns:a="http://schemas.openxmlformats.org/drawingml/2006/main" xmlns:r="http://schemas.openxmlformats.org/officeDocument/2006/relationships" xmlns:p="http://schemas.openxmlformats.org/presentationml/2006/main">
+  <p:cSld>
+    <p:spTree>
+      <p:nvGrpSpPr>
+        <p:cNvPr id="1" name=""/>
+        <p:cNvGrpSpPr/>
+        <p:nvPr/>
+      </p:nvGrpSpPr>
+      <p:grpSpPr>
+        <a:xfrm>
+          <a:off x="0" y="0"/>
+          <a:ext cx="0" cy="0"/>
+          <a:chOff x="0" y="0"/>
+          <a:chExt cx="0" cy="0"/>
+        </a:xfrm>
+      </p:grpSpPr>
+      <p:sp>
+        <p:nvSpPr>
+          <p:cNvPr id="2" name="タイトル 1"/>
+          <p:cNvSpPr>
+            <a:spLocks noGrp="1"/>
+          </p:cNvSpPr>
+          <p:nvPr>
+            <p:ph type="title"/>
+          </p:nvPr>
+        </p:nvSpPr>
+        <p:spPr>
+          <a:xfrm>
+            <a:off x="449590" y="609599"/>
+            <a:ext cx="11590986" cy="1356360"/>
+          </a:xfrm>
+        </p:spPr>
+        <p:txBody>
+          <a:bodyPr/>
+          <a:lstStyle/>
+          <a:p>
+            <a:r>
+              <a:rPr lang="ja-JP" altLang="en-US" dirty="0"/>
+              <a:t>具体的</a:t>
+            </a:r>
+            <a:r>
+              <a:rPr lang="ja-JP" altLang="en-US" dirty="0" smtClean="0"/>
+              <a:t>には</a:t>
+            </a:r>
+            <a:r>
+              <a:rPr lang="en-US" altLang="ja-JP" dirty="0" smtClean="0"/>
+              <a:t>.</a:t>
+            </a:r>
+            <a:endParaRPr kumimoji="1" lang="ja-JP" altLang="en-US" dirty="0"/>
+          </a:p>
+        </p:txBody>
+      </p:sp>
+      <p:graphicFrame>
+        <p:nvGraphicFramePr>
+          <p:cNvPr id="4" name="コンテンツ プレースホルダー 4"/>
+          <p:cNvGraphicFramePr>
+            <a:graphicFrameLocks noGrp="1"/>
+          </p:cNvGraphicFramePr>
+          <p:nvPr>
+            <p:extLst>
+              <p:ext uri="{D42A27DB-BD31-4B8C-83A1-F6EECF244321}">
+                <p14:modId xmlns:p14="http://schemas.microsoft.com/office/powerpoint/2010/main" val="2339170579"/>
+              </p:ext>
+            </p:extLst>
+          </p:nvPr>
+        </p:nvGraphicFramePr>
+        <p:xfrm>
+          <a:off x="1354348" y="1965959"/>
+          <a:ext cx="9146814" cy="2991051"/>
+        </p:xfrm>
+        <a:graphic>
+          <a:graphicData uri="http://schemas.openxmlformats.org/drawingml/2006/diagram">
+            <dgm:relIds xmlns:dgm="http://schemas.openxmlformats.org/drawingml/2006/diagram" xmlns:r="http://schemas.openxmlformats.org/officeDocument/2006/relationships" r:dm="rId3" r:lo="rId4" r:qs="rId5" r:cs="rId6"/>
+          </a:graphicData>
+        </a:graphic>
+      </p:graphicFrame>
+      <p:sp>
+        <p:nvSpPr>
+          <p:cNvPr id="5" name="テキスト ボックス 4"/>
+          <p:cNvSpPr txBox="1"/>
+          <p:nvPr/>
+        </p:nvSpPr>
+        <p:spPr>
+          <a:xfrm>
+            <a:off x="10289406" y="4957011"/>
+            <a:ext cx="1317990" cy="707886"/>
+          </a:xfrm>
+          <a:prstGeom prst="rect">
+            <a:avLst/>
+          </a:prstGeom>
+          <a:noFill/>
+        </p:spPr>
+        <p:txBody>
+          <a:bodyPr wrap="none" rtlCol="0">
+            <a:spAutoFit/>
+          </a:bodyPr>
+          <a:lstStyle/>
+          <a:p>
+            <a:r>
+              <a:rPr lang="en-US" altLang="ja-JP" sz="4000" b="1" dirty="0" smtClean="0"/>
+              <a:t>etc…</a:t>
+            </a:r>
+            <a:endParaRPr kumimoji="1" lang="ja-JP" altLang="en-US" sz="4000" b="1" dirty="0"/>
+          </a:p>
+        </p:txBody>
+      </p:sp>
+    </p:spTree>
+    <p:extLst>
+      <p:ext uri="{BB962C8B-B14F-4D97-AF65-F5344CB8AC3E}">
+        <p14:creationId xmlns:p14="http://schemas.microsoft.com/office/powerpoint/2010/main" val="2800003575"/>
+      </p:ext>
+    </p:extLst>
+  </p:cSld>
+  <p:clrMapOvr>
+    <a:masterClrMapping/>
+  </p:clrMapOvr>
+  <p:timing>
+    <p:tnLst>
+      <p:par>
+        <p:cTn id="1" dur="indefinite" restart="never" nodeType="tmRoot">
+          <p:childTnLst>
+            <p:seq concurrent="1" nextAc="seek">
+              <p:cTn id="2" dur="indefinite" nodeType="mainSeq">
+                <p:childTnLst>
+                  <p:par>
+                    <p:cTn id="3" fill="hold">
+                      <p:stCondLst>
+                        <p:cond delay="indefinite"/>
+                      </p:stCondLst>
+                      <p:childTnLst>
+                        <p:par>
+                          <p:cTn id="4" fill="hold">
+                            <p:stCondLst>
+                              <p:cond delay="0"/>
+                            </p:stCondLst>
+                            <p:childTnLst>
+                              <p:par>
+                                <p:cTn id="5" presetID="10" presetClass="entr" presetSubtype="0" fill="hold" grpId="0" nodeType="clickEffect">
+                                  <p:stCondLst>
+                                    <p:cond delay="0"/>
+                                  </p:stCondLst>
+                                  <p:childTnLst>
+                                    <p:set>
+                                      <p:cBhvr>
+                                        <p:cTn id="6" dur="1" fill="hold">
+                                          <p:stCondLst>
+                                            <p:cond delay="0"/>
+                                          </p:stCondLst>
+                                        </p:cTn>
+                                        <p:tgtEl>
+                                          <p:spTgt spid="4">
+                                            <p:graphicEl>
+                                              <a:dgm id="{B8F465FE-9EA8-4DEB-9406-E1941DCF5FEB}"/>
+                                            </p:graphicEl>
+                                          </p:spTgt>
+                                        </p:tgtEl>
+                                        <p:attrNameLst>
+                                          <p:attrName>style.visibility</p:attrName>
+                                        </p:attrNameLst>
+                                      </p:cBhvr>
+                                      <p:to>
+                                        <p:strVal val="visible"/>
+                                      </p:to>
+                                    </p:set>
+                                    <p:animEffect transition="in" filter="fade">
+                                      <p:cBhvr>
+                                        <p:cTn id="7" dur="500"/>
+                                        <p:tgtEl>
+                                          <p:spTgt spid="4">
+                                            <p:graphicEl>
+                                              <a:dgm id="{B8F465FE-9EA8-4DEB-9406-E1941DCF5FEB}"/>
+                                            </p:graphicEl>
+                                          </p:spTgt>
+                                        </p:tgtEl>
+                                      </p:cBhvr>
+                                    </p:animEffect>
+                                  </p:childTnLst>
+                                </p:cTn>
+                              </p:par>
+                            </p:childTnLst>
+                          </p:cTn>
+                        </p:par>
+                      </p:childTnLst>
+                    </p:cTn>
+                  </p:par>
+                  <p:par>
+                    <p:cTn id="8" fill="hold">
+                      <p:stCondLst>
+                        <p:cond delay="indefinite"/>
+                      </p:stCondLst>
+                      <p:childTnLst>
+                        <p:par>
+                          <p:cTn id="9" fill="hold">
+                            <p:stCondLst>
+                              <p:cond delay="0"/>
+                            </p:stCondLst>
+                            <p:childTnLst>
+                              <p:par>
+                                <p:cTn id="10" presetID="10" presetClass="entr" presetSubtype="0" fill="hold" grpId="0" nodeType="clickEffect">
+                                  <p:stCondLst>
+                                    <p:cond delay="0"/>
+                                  </p:stCondLst>
+                                  <p:childTnLst>
+                                    <p:set>
+                                      <p:cBhvr>
+                                        <p:cTn id="11" dur="1" fill="hold">
+                                          <p:stCondLst>
+                                            <p:cond delay="0"/>
+                                          </p:stCondLst>
+                                        </p:cTn>
+                                        <p:tgtEl>
+                                          <p:spTgt spid="4">
+                                            <p:graphicEl>
+                                              <a:dgm id="{68C440DA-0457-430A-99B2-7CA80175F913}"/>
+                                            </p:graphicEl>
+                                          </p:spTgt>
+                                        </p:tgtEl>
+                                        <p:attrNameLst>
+                                          <p:attrName>style.visibility</p:attrName>
+                                        </p:attrNameLst>
+                                      </p:cBhvr>
+                                      <p:to>
+                                        <p:strVal val="visible"/>
+                                      </p:to>
+                                    </p:set>
+                                    <p:animEffect transition="in" filter="fade">
+                                      <p:cBhvr>
+                                        <p:cTn id="12" dur="500"/>
+                                        <p:tgtEl>
+                                          <p:spTgt spid="4">
+                                            <p:graphicEl>
+                                              <a:dgm id="{68C440DA-0457-430A-99B2-7CA80175F913}"/>
+                                            </p:graphicEl>
+                                          </p:spTgt>
+                                        </p:tgtEl>
+                                      </p:cBhvr>
+                                    </p:animEffect>
+                                  </p:childTnLst>
+                                </p:cTn>
+                              </p:par>
+                            </p:childTnLst>
+                          </p:cTn>
+                        </p:par>
+                      </p:childTnLst>
+                    </p:cTn>
+                  </p:par>
+                  <p:par>
+                    <p:cTn id="13" fill="hold">
+                      <p:stCondLst>
+                        <p:cond delay="indefinite"/>
+                      </p:stCondLst>
+                      <p:childTnLst>
+                        <p:par>
+                          <p:cTn id="14" fill="hold">
+                            <p:stCondLst>
+                              <p:cond delay="0"/>
+                            </p:stCondLst>
+                            <p:childTnLst>
+                              <p:par>
+                                <p:cTn id="15" presetID="10" presetClass="entr" presetSubtype="0" fill="hold" grpId="0" nodeType="clickEffect">
+                                  <p:stCondLst>
+                                    <p:cond delay="0"/>
+                                  </p:stCondLst>
+                                  <p:childTnLst>
+                                    <p:set>
+                                      <p:cBhvr>
+                                        <p:cTn id="16" dur="1" fill="hold">
+                                          <p:stCondLst>
+                                            <p:cond delay="0"/>
+                                          </p:stCondLst>
+                                        </p:cTn>
+                                        <p:tgtEl>
+                                          <p:spTgt spid="4">
+                                            <p:graphicEl>
+                                              <a:dgm id="{C7C8B005-F1D9-47EC-B535-9BD5DF344A5D}"/>
+                                            </p:graphicEl>
+                                          </p:spTgt>
+                                        </p:tgtEl>
+                                        <p:attrNameLst>
+                                          <p:attrName>style.visibility</p:attrName>
+                                        </p:attrNameLst>
+                                      </p:cBhvr>
+                                      <p:to>
+                                        <p:strVal val="visible"/>
+                                      </p:to>
+                                    </p:set>
+                                    <p:animEffect transition="in" filter="fade">
+                                      <p:cBhvr>
+                                        <p:cTn id="17" dur="500"/>
+                                        <p:tgtEl>
+                                          <p:spTgt spid="4">
+                                            <p:graphicEl>
+                                              <a:dgm id="{C7C8B005-F1D9-47EC-B535-9BD5DF344A5D}"/>
+                                            </p:graphicEl>
+                                          </p:spTgt>
+                                        </p:tgtEl>
+                                      </p:cBhvr>
+                                    </p:animEffect>
+                                  </p:childTnLst>
+                                </p:cTn>
+                              </p:par>
+                            </p:childTnLst>
+                          </p:cTn>
+                        </p:par>
+                      </p:childTnLst>
+                    </p:cTn>
+                  </p:par>
+                  <p:par>
+                    <p:cTn id="18" fill="hold">
+                      <p:stCondLst>
+                        <p:cond delay="indefinite"/>
+                      </p:stCondLst>
+                      <p:childTnLst>
+                        <p:par>
+                          <p:cTn id="19" fill="hold">
+                            <p:stCondLst>
+                              <p:cond delay="0"/>
+                            </p:stCondLst>
+                            <p:childTnLst>
+                              <p:par>
+                                <p:cTn id="20" presetID="10" presetClass="entr" presetSubtype="0" fill="hold" grpId="0" nodeType="clickEffect">
+                                  <p:stCondLst>
+                                    <p:cond delay="0"/>
+                                  </p:stCondLst>
+                                  <p:childTnLst>
+                                    <p:set>
+                                      <p:cBhvr>
+                                        <p:cTn id="21" dur="1" fill="hold">
+                                          <p:stCondLst>
+                                            <p:cond delay="0"/>
+                                          </p:stCondLst>
+                                        </p:cTn>
+                                        <p:tgtEl>
+                                          <p:spTgt spid="4">
+                                            <p:graphicEl>
+                                              <a:dgm id="{495ADA64-8877-4F99-8D2F-2DC0C692AE70}"/>
+                                            </p:graphicEl>
+                                          </p:spTgt>
+                                        </p:tgtEl>
+                                        <p:attrNameLst>
+                                          <p:attrName>style.visibility</p:attrName>
+                                        </p:attrNameLst>
+                                      </p:cBhvr>
+                                      <p:to>
+                                        <p:strVal val="visible"/>
+                                      </p:to>
+                                    </p:set>
+                                    <p:animEffect transition="in" filter="fade">
+                                      <p:cBhvr>
+                                        <p:cTn id="22" dur="500"/>
+                                        <p:tgtEl>
+                                          <p:spTgt spid="4">
+                                            <p:graphicEl>
+                                              <a:dgm id="{495ADA64-8877-4F99-8D2F-2DC0C692AE70}"/>
+                                            </p:graphicEl>
+                                          </p:spTgt>
+                                        </p:tgtEl>
+                                      </p:cBhvr>
+                                    </p:animEffect>
+                                  </p:childTnLst>
+                                </p:cTn>
+                              </p:par>
+                            </p:childTnLst>
+                          </p:cTn>
+                        </p:par>
+                        <p:par>
+                          <p:cTn id="23" fill="hold">
+                            <p:stCondLst>
+                              <p:cond delay="500"/>
+                            </p:stCondLst>
+                            <p:childTnLst>
+                              <p:par>
+                                <p:cTn id="24" presetID="10" presetClass="entr" presetSubtype="0" fill="hold" grpId="0" nodeType="afterEffect">
+                                  <p:stCondLst>
+                                    <p:cond delay="0"/>
+                                  </p:stCondLst>
+                                  <p:childTnLst>
+                                    <p:set>
+                                      <p:cBhvr>
+                                        <p:cTn id="25" dur="1" fill="hold">
+                                          <p:stCondLst>
+                                            <p:cond delay="0"/>
+                                          </p:stCondLst>
+                                        </p:cTn>
+                                        <p:tgtEl>
+                                          <p:spTgt spid="5"/>
+                                        </p:tgtEl>
+                                        <p:attrNameLst>
+                                          <p:attrName>style.visibility</p:attrName>
+                                        </p:attrNameLst>
+                                      </p:cBhvr>
+                                      <p:to>
+                                        <p:strVal val="visible"/>
+                                      </p:to>
+                                    </p:set>
+                                    <p:animEffect transition="in" filter="fade">
+                                      <p:cBhvr>
+                                        <p:cTn id="26" dur="500"/>
+                                        <p:tgtEl>
+                                          <p:spTgt spid="5"/>
+                                        </p:tgtEl>
+                                      </p:cBhvr>
+                                    </p:animEffect>
+                                  </p:childTnLst>
+                                </p:cTn>
+                              </p:par>
+                            </p:childTnLst>
+                          </p:cTn>
+                        </p:par>
+                      </p:childTnLst>
+                    </p:cTn>
+                  </p:par>
+                </p:childTnLst>
+              </p:cTn>
+              <p:prevCondLst>
+                <p:cond evt="onPrev" delay="0">
+                  <p:tgtEl>
+                    <p:sldTgt/>
+                  </p:tgtEl>
+                </p:cond>
+              </p:prevCondLst>
+              <p:nextCondLst>
+                <p:cond evt="onNext" delay="0">
+                  <p:tgtEl>
+                    <p:sldTgt/>
+                  </p:tgtEl>
+                </p:cond>
+              </p:nextCondLst>
+            </p:seq>
+          </p:childTnLst>
+        </p:cTn>
+      </p:par>
+    </p:tnLst>
+    <p:bldLst>
+      <p:bldGraphic spid="4" grpId="0">
+        <p:bldSub>
+          <a:bldDgm bld="one"/>
+        </p:bldSub>
+      </p:bldGraphic>
+      <p:bldP spid="5" grpId="0"/>
+    </p:bldLst>
+  </p:timing>
+</p:sld>
+</file>
+
+<file path=ppt/slides/slide4.xml><?xml version="1.0" encoding="utf-8"?>
 <p:sld xmlns:a="http://schemas.openxmlformats.org/drawingml/2006/main" xmlns:r="http://schemas.openxmlformats.org/officeDocument/2006/relationships" xmlns:p="http://schemas.openxmlformats.org/presentationml/2006/main">
   <p:cSld>
     <p:spTree>
@@ -30459,7 +31769,7 @@
 </p:sld>
 </file>
 
-<file path=ppt/slides/slide4.xml><?xml version="1.0" encoding="utf-8"?>
+<file path=ppt/slides/slide5.xml><?xml version="1.0" encoding="utf-8"?>
 <p:sld xmlns:a="http://schemas.openxmlformats.org/drawingml/2006/main" xmlns:r="http://schemas.openxmlformats.org/officeDocument/2006/relationships" xmlns:p="http://schemas.openxmlformats.org/presentationml/2006/main">
   <p:cSld>
     <p:spTree>
@@ -30538,7 +31848,7 @@
 </p:sld>
 </file>
 
-<file path=ppt/slides/slide5.xml><?xml version="1.0" encoding="utf-8"?>
+<file path=ppt/slides/slide6.xml><?xml version="1.0" encoding="utf-8"?>
 <p:sld xmlns:a="http://schemas.openxmlformats.org/drawingml/2006/main" xmlns:r="http://schemas.openxmlformats.org/officeDocument/2006/relationships" xmlns:p="http://schemas.openxmlformats.org/presentationml/2006/main">
   <p:cSld>
     <p:spTree>
@@ -30773,14 +32083,147 @@
   <p:timing>
     <p:tnLst>
       <p:par>
-        <p:cTn id="1" dur="indefinite" restart="never" nodeType="tmRoot"/>
+        <p:cTn id="1" dur="indefinite" restart="never" nodeType="tmRoot">
+          <p:childTnLst>
+            <p:seq concurrent="1" nextAc="seek">
+              <p:cTn id="2" dur="indefinite" nodeType="mainSeq">
+                <p:childTnLst>
+                  <p:par>
+                    <p:cTn id="3" fill="hold">
+                      <p:stCondLst>
+                        <p:cond delay="indefinite"/>
+                      </p:stCondLst>
+                      <p:childTnLst>
+                        <p:par>
+                          <p:cTn id="4" fill="hold">
+                            <p:stCondLst>
+                              <p:cond delay="0"/>
+                            </p:stCondLst>
+                            <p:childTnLst>
+                              <p:par>
+                                <p:cTn id="5" presetID="10" presetClass="entr" presetSubtype="0" fill="hold" grpId="0" nodeType="clickEffect">
+                                  <p:stCondLst>
+                                    <p:cond delay="0"/>
+                                  </p:stCondLst>
+                                  <p:childTnLst>
+                                    <p:set>
+                                      <p:cBhvr>
+                                        <p:cTn id="6" dur="1" fill="hold">
+                                          <p:stCondLst>
+                                            <p:cond delay="0"/>
+                                          </p:stCondLst>
+                                        </p:cTn>
+                                        <p:tgtEl>
+                                          <p:spTgt spid="4"/>
+                                        </p:tgtEl>
+                                        <p:attrNameLst>
+                                          <p:attrName>style.visibility</p:attrName>
+                                        </p:attrNameLst>
+                                      </p:cBhvr>
+                                      <p:to>
+                                        <p:strVal val="visible"/>
+                                      </p:to>
+                                    </p:set>
+                                    <p:animEffect transition="in" filter="fade">
+                                      <p:cBhvr>
+                                        <p:cTn id="7" dur="500"/>
+                                        <p:tgtEl>
+                                          <p:spTgt spid="4"/>
+                                        </p:tgtEl>
+                                      </p:cBhvr>
+                                    </p:animEffect>
+                                  </p:childTnLst>
+                                </p:cTn>
+                              </p:par>
+                            </p:childTnLst>
+                          </p:cTn>
+                        </p:par>
+                      </p:childTnLst>
+                    </p:cTn>
+                  </p:par>
+                  <p:par>
+                    <p:cTn id="8" fill="hold">
+                      <p:stCondLst>
+                        <p:cond delay="indefinite"/>
+                      </p:stCondLst>
+                      <p:childTnLst>
+                        <p:par>
+                          <p:cTn id="9" fill="hold">
+                            <p:stCondLst>
+                              <p:cond delay="0"/>
+                            </p:stCondLst>
+                            <p:childTnLst>
+                              <p:par>
+                                <p:cTn id="10" presetID="10" presetClass="entr" presetSubtype="0" fill="hold" grpId="0" nodeType="clickEffect">
+                                  <p:stCondLst>
+                                    <p:cond delay="0"/>
+                                  </p:stCondLst>
+                                  <p:childTnLst>
+                                    <p:set>
+                                      <p:cBhvr>
+                                        <p:cTn id="11" dur="1" fill="hold">
+                                          <p:stCondLst>
+                                            <p:cond delay="0"/>
+                                          </p:stCondLst>
+                                        </p:cTn>
+                                        <p:tgtEl>
+                                          <p:spTgt spid="5"/>
+                                        </p:tgtEl>
+                                        <p:attrNameLst>
+                                          <p:attrName>style.visibility</p:attrName>
+                                        </p:attrNameLst>
+                                      </p:cBhvr>
+                                      <p:to>
+                                        <p:strVal val="visible"/>
+                                      </p:to>
+                                    </p:set>
+                                    <p:animEffect transition="in" filter="fade">
+                                      <p:cBhvr>
+                                        <p:cTn id="12" dur="500"/>
+                                        <p:tgtEl>
+                                          <p:spTgt spid="5"/>
+                                        </p:tgtEl>
+                                      </p:cBhvr>
+                                    </p:animEffect>
+                                  </p:childTnLst>
+                                </p:cTn>
+                              </p:par>
+                            </p:childTnLst>
+                          </p:cTn>
+                        </p:par>
+                      </p:childTnLst>
+                    </p:cTn>
+                  </p:par>
+                </p:childTnLst>
+              </p:cTn>
+              <p:prevCondLst>
+                <p:cond evt="onPrev" delay="0">
+                  <p:tgtEl>
+                    <p:sldTgt/>
+                  </p:tgtEl>
+                </p:cond>
+              </p:prevCondLst>
+              <p:nextCondLst>
+                <p:cond evt="onNext" delay="0">
+                  <p:tgtEl>
+                    <p:sldTgt/>
+                  </p:tgtEl>
+                </p:cond>
+              </p:nextCondLst>
+            </p:seq>
+          </p:childTnLst>
+        </p:cTn>
       </p:par>
     </p:tnLst>
+    <p:bldLst>
+      <p:bldP spid="4" grpId="0" animBg="1"/>
+      <p:bldP spid="5" grpId="0" animBg="1"/>
+    </p:bldLst>
   </p:timing>
 </p:sld>
 </file>
 
-<file path=ppt/slides/slide6.xml><?xml version="1.0" encoding="utf-8"?>
+<file path=ppt/slides/slide7.xml><?xml version="1.0" encoding="utf-8"?>
 <p:sld xmlns:a="http://schemas.openxmlformats.org/drawingml/2006/main" xmlns:r="http://schemas.openxmlformats.org/officeDocument/2006/relationships" xmlns:p="http://schemas.openxmlformats.org/presentationml/2006/main">
   <p:cSld>
     <p:spTree>
@@ -31016,7 +32459,7 @@
 </p:sld>
 </file>
 
-<file path=ppt/slides/slide7.xml><?xml version="1.0" encoding="utf-8"?>
+<file path=ppt/slides/slide8.xml><?xml version="1.0" encoding="utf-8"?>
 <p:sld xmlns:a="http://schemas.openxmlformats.org/drawingml/2006/main" xmlns:r="http://schemas.openxmlformats.org/officeDocument/2006/relationships" xmlns:p="http://schemas.openxmlformats.org/presentationml/2006/main">
   <p:cSld>
     <p:spTree>
@@ -31110,7 +32553,7 @@
 </p:sld>
 </file>
 
-<file path=ppt/slides/slide8.xml><?xml version="1.0" encoding="utf-8"?>
+<file path=ppt/slides/slide9.xml><?xml version="1.0" encoding="utf-8"?>
 <p:sld xmlns:a="http://schemas.openxmlformats.org/drawingml/2006/main" xmlns:r="http://schemas.openxmlformats.org/officeDocument/2006/relationships" xmlns:p="http://schemas.openxmlformats.org/presentationml/2006/main">
   <p:cSld>
     <p:spTree>
@@ -31177,91 +32620,6 @@
     <p:extLst>
       <p:ext uri="{BB962C8B-B14F-4D97-AF65-F5344CB8AC3E}">
         <p14:creationId xmlns:p14="http://schemas.microsoft.com/office/powerpoint/2010/main" val="3797570722"/>
-      </p:ext>
-    </p:extLst>
-  </p:cSld>
-  <p:clrMapOvr>
-    <a:masterClrMapping/>
-  </p:clrMapOvr>
-  <p:timing>
-    <p:tnLst>
-      <p:par>
-        <p:cTn id="1" dur="indefinite" restart="never" nodeType="tmRoot"/>
-      </p:par>
-    </p:tnLst>
-  </p:timing>
-</p:sld>
-</file>
-
-<file path=ppt/slides/slide9.xml><?xml version="1.0" encoding="utf-8"?>
-<p:sld xmlns:a="http://schemas.openxmlformats.org/drawingml/2006/main" xmlns:r="http://schemas.openxmlformats.org/officeDocument/2006/relationships" xmlns:p="http://schemas.openxmlformats.org/presentationml/2006/main">
-  <p:cSld>
-    <p:spTree>
-      <p:nvGrpSpPr>
-        <p:cNvPr id="1" name=""/>
-        <p:cNvGrpSpPr/>
-        <p:nvPr/>
-      </p:nvGrpSpPr>
-      <p:grpSpPr>
-        <a:xfrm>
-          <a:off x="0" y="0"/>
-          <a:ext cx="0" cy="0"/>
-          <a:chOff x="0" y="0"/>
-          <a:chExt cx="0" cy="0"/>
-        </a:xfrm>
-      </p:grpSpPr>
-      <p:sp>
-        <p:nvSpPr>
-          <p:cNvPr id="4" name="タイトル 3"/>
-          <p:cNvSpPr>
-            <a:spLocks noGrp="1"/>
-          </p:cNvSpPr>
-          <p:nvPr>
-            <p:ph type="title"/>
-          </p:nvPr>
-        </p:nvSpPr>
-        <p:spPr/>
-        <p:txBody>
-          <a:bodyPr/>
-          <a:lstStyle/>
-          <a:p>
-            <a:r>
-              <a:rPr kumimoji="1" lang="ja-JP" altLang="en-US" dirty="0" smtClean="0"/>
-              <a:t>サービスが解決すること①</a:t>
-            </a:r>
-            <a:endParaRPr kumimoji="1" lang="ja-JP" altLang="en-US" dirty="0"/>
-          </a:p>
-        </p:txBody>
-      </p:sp>
-      <p:graphicFrame>
-        <p:nvGraphicFramePr>
-          <p:cNvPr id="6" name="コンテンツ プレースホルダー 5"/>
-          <p:cNvGraphicFramePr>
-            <a:graphicFrameLocks noGrp="1"/>
-          </p:cNvGraphicFramePr>
-          <p:nvPr>
-            <p:ph idx="1"/>
-            <p:extLst>
-              <p:ext uri="{D42A27DB-BD31-4B8C-83A1-F6EECF244321}">
-                <p14:modId xmlns:p14="http://schemas.microsoft.com/office/powerpoint/2010/main" val="1163409542"/>
-              </p:ext>
-            </p:extLst>
-          </p:nvPr>
-        </p:nvGraphicFramePr>
-        <p:xfrm>
-          <a:off x="1143000" y="2057400"/>
-          <a:ext cx="9872871" cy="4038600"/>
-        </p:xfrm>
-        <a:graphic>
-          <a:graphicData uri="http://schemas.openxmlformats.org/drawingml/2006/diagram">
-            <dgm:relIds xmlns:dgm="http://schemas.openxmlformats.org/drawingml/2006/diagram" xmlns:r="http://schemas.openxmlformats.org/officeDocument/2006/relationships" r:dm="rId3" r:lo="rId4" r:qs="rId5" r:cs="rId6"/>
-          </a:graphicData>
-        </a:graphic>
-      </p:graphicFrame>
-    </p:spTree>
-    <p:extLst>
-      <p:ext uri="{BB962C8B-B14F-4D97-AF65-F5344CB8AC3E}">
-        <p14:creationId xmlns:p14="http://schemas.microsoft.com/office/powerpoint/2010/main" val="2129364282"/>
       </p:ext>
     </p:extLst>
   </p:cSld>
